--- a/AQI_Presentation.pptx
+++ b/AQI_Presentation.pptx
@@ -7,13 +7,13 @@
   <p:sldIdLst>
     <p:sldId id="256" r:id="rId2"/>
     <p:sldId id="259" r:id="rId3"/>
-    <p:sldId id="257" r:id="rId4"/>
-    <p:sldId id="258" r:id="rId5"/>
-    <p:sldId id="260" r:id="rId6"/>
+    <p:sldId id="260" r:id="rId4"/>
+    <p:sldId id="257" r:id="rId5"/>
+    <p:sldId id="258" r:id="rId6"/>
     <p:sldId id="261" r:id="rId7"/>
-    <p:sldId id="262" r:id="rId8"/>
-    <p:sldId id="263" r:id="rId9"/>
-    <p:sldId id="264" r:id="rId10"/>
+    <p:sldId id="263" r:id="rId8"/>
+    <p:sldId id="264" r:id="rId9"/>
+    <p:sldId id="265" r:id="rId10"/>
   </p:sldIdLst>
   <p:sldSz cx="12192000" cy="6858000"/>
   <p:notesSz cx="6858000" cy="9144000"/>
@@ -3921,10 +3921,10 @@
       </p:grpSpPr>
       <p:sp>
         <p:nvSpPr>
-          <p:cNvPr id="8" name="Rectangle 7">
-            <a:extLst>
-              <a:ext uri="{FF2B5EF4-FFF2-40B4-BE49-F238E27FC236}">
-                <a16:creationId xmlns:a16="http://schemas.microsoft.com/office/drawing/2014/main" id="{4351DFE5-F63D-4BE0-BDA9-E3EB88F01AA5}"/>
+          <p:cNvPr id="26" name="Rectangle 25">
+            <a:extLst>
+              <a:ext uri="{FF2B5EF4-FFF2-40B4-BE49-F238E27FC236}">
+                <a16:creationId xmlns:a16="http://schemas.microsoft.com/office/drawing/2014/main" id="{FC7A3AA1-44C4-4CBE-8808-D86A411AD665}"/>
               </a:ext>
               <a:ext uri="{C183D7F6-B498-43B3-948B-1728B52AA6E4}">
                 <adec:decorative xmlns:adec="http://schemas.microsoft.com/office/drawing/2017/decorative" val="1"/>
@@ -3944,8 +3944,8 @@
         </p:nvSpPr>
         <p:spPr>
           <a:xfrm>
-            <a:off x="355601" y="0"/>
-            <a:ext cx="11480494" cy="2753936"/>
+            <a:off x="0" y="0"/>
+            <a:ext cx="12192000" cy="3032449"/>
           </a:xfrm>
           <a:prstGeom prst="rect">
             <a:avLst/>
@@ -4006,254 +4006,7 @@
       </p:sp>
       <p:pic>
         <p:nvPicPr>
-          <p:cNvPr id="10" name="Picture 9">
-            <a:extLst>
-              <a:ext uri="{FF2B5EF4-FFF2-40B4-BE49-F238E27FC236}">
-                <a16:creationId xmlns:a16="http://schemas.microsoft.com/office/drawing/2014/main" id="{3AA16612-ACD2-4A16-8F2B-4514FD6BF28F}"/>
-              </a:ext>
-              <a:ext uri="{C183D7F6-B498-43B3-948B-1728B52AA6E4}">
-                <adec:decorative xmlns:adec="http://schemas.microsoft.com/office/drawing/2017/decorative" val="1"/>
-              </a:ext>
-            </a:extLst>
-          </p:cNvPr>
-          <p:cNvPicPr>
-            <a:picLocks noGrp="1" noRot="1" noChangeAspect="1" noMove="1" noResize="1" noEditPoints="1" noAdjustHandles="1" noChangeArrowheads="1" noChangeShapeType="1" noCrop="1"/>
-          </p:cNvPicPr>
-          <p:nvPr>
-            <p:extLst>
-              <p:ext uri="{386F3935-93C4-4BCD-93E2-E3B085C9AB24}">
-                <p16:designElem xmlns:p16="http://schemas.microsoft.com/office/powerpoint/2015/main" val="1"/>
-              </p:ext>
-            </p:extLst>
-          </p:nvPr>
-        </p:nvPicPr>
-        <p:blipFill>
-          <a:blip r:embed="rId2">
-            <a:extLst>
-              <a:ext uri="{28A0092B-C50C-407E-A947-70E740481C1C}">
-                <a14:useLocalDpi xmlns:a14="http://schemas.microsoft.com/office/drawing/2010/main" val="0"/>
-              </a:ext>
-            </a:extLst>
-          </a:blip>
-          <a:stretch>
-            <a:fillRect/>
-          </a:stretch>
-        </p:blipFill>
-        <p:spPr>
-          <a:xfrm>
-            <a:off x="0" y="0"/>
-            <a:ext cx="12192000" cy="6858000"/>
-          </a:xfrm>
-          <a:prstGeom prst="rect">
-            <a:avLst/>
-          </a:prstGeom>
-        </p:spPr>
-      </p:pic>
-      <p:sp>
-        <p:nvSpPr>
-          <p:cNvPr id="2" name="Title 1">
-            <a:extLst>
-              <a:ext uri="{FF2B5EF4-FFF2-40B4-BE49-F238E27FC236}">
-                <a16:creationId xmlns:a16="http://schemas.microsoft.com/office/drawing/2014/main" id="{F701C7BF-A34A-44AA-B519-64BB1FEC18D3}"/>
-              </a:ext>
-            </a:extLst>
-          </p:cNvPr>
-          <p:cNvSpPr>
-            <a:spLocks noGrp="1"/>
-          </p:cNvSpPr>
-          <p:nvPr>
-            <p:ph type="title"/>
-          </p:nvPr>
-        </p:nvSpPr>
-        <p:spPr>
-          <a:xfrm>
-            <a:off x="1179226" y="826680"/>
-            <a:ext cx="9833548" cy="1325563"/>
-          </a:xfrm>
-        </p:spPr>
-        <p:txBody>
-          <a:bodyPr>
-            <a:normAutofit/>
-          </a:bodyPr>
-          <a:lstStyle/>
-          <a:p>
-            <a:pPr algn="ctr"/>
-            <a:r>
-              <a:rPr lang="en-US" sz="4000">
-                <a:solidFill>
-                  <a:srgbClr val="FFFFFF"/>
-                </a:solidFill>
-              </a:rPr>
-              <a:t>Covid-19’s Effect on Traffic Patterns</a:t>
-            </a:r>
-          </a:p>
-        </p:txBody>
-      </p:sp>
-      <p:sp>
-        <p:nvSpPr>
-          <p:cNvPr id="3" name="Content Placeholder 2">
-            <a:extLst>
-              <a:ext uri="{FF2B5EF4-FFF2-40B4-BE49-F238E27FC236}">
-                <a16:creationId xmlns:a16="http://schemas.microsoft.com/office/drawing/2014/main" id="{6C46B692-2835-4955-A67D-C0D0CE0E10F3}"/>
-              </a:ext>
-            </a:extLst>
-          </p:cNvPr>
-          <p:cNvSpPr>
-            <a:spLocks noGrp="1"/>
-          </p:cNvSpPr>
-          <p:nvPr>
-            <p:ph idx="1"/>
-          </p:nvPr>
-        </p:nvSpPr>
-        <p:spPr>
-          <a:xfrm>
-            <a:off x="1179226" y="3092970"/>
-            <a:ext cx="9833548" cy="2693976"/>
-          </a:xfrm>
-        </p:spPr>
-        <p:txBody>
-          <a:bodyPr>
-            <a:normAutofit/>
-          </a:bodyPr>
-          <a:lstStyle/>
-          <a:p>
-            <a:r>
-              <a:rPr lang="en-US" sz="2000">
-                <a:solidFill>
-                  <a:srgbClr val="000000"/>
-                </a:solidFill>
-              </a:rPr>
-              <a:t>When analyzing the impact of the pandemic on traffic patterns in the MPLS metro area</a:t>
-            </a:r>
-          </a:p>
-        </p:txBody>
-      </p:sp>
-    </p:spTree>
-    <p:extLst>
-      <p:ext uri="{BB962C8B-B14F-4D97-AF65-F5344CB8AC3E}">
-        <p14:creationId xmlns:p14="http://schemas.microsoft.com/office/powerpoint/2010/main" val="3970839947"/>
-      </p:ext>
-    </p:extLst>
-  </p:cSld>
-  <p:clrMapOvr>
-    <a:masterClrMapping/>
-  </p:clrMapOvr>
-</p:sld>
-</file>
-
-<file path=ppt/slides/slide4.xml><?xml version="1.0" encoding="utf-8"?>
-<p:sld xmlns:a="http://schemas.openxmlformats.org/drawingml/2006/main" xmlns:r="http://schemas.openxmlformats.org/officeDocument/2006/relationships" xmlns:p="http://schemas.openxmlformats.org/presentationml/2006/main">
-  <p:cSld>
-    <p:bg>
-      <p:bgPr>
-        <a:solidFill>
-          <a:schemeClr val="bg1"/>
-        </a:solidFill>
-        <a:effectLst/>
-      </p:bgPr>
-    </p:bg>
-    <p:spTree>
-      <p:nvGrpSpPr>
-        <p:cNvPr id="1" name=""/>
-        <p:cNvGrpSpPr/>
-        <p:nvPr/>
-      </p:nvGrpSpPr>
-      <p:grpSpPr>
-        <a:xfrm>
-          <a:off x="0" y="0"/>
-          <a:ext cx="0" cy="0"/>
-          <a:chOff x="0" y="0"/>
-          <a:chExt cx="0" cy="0"/>
-        </a:xfrm>
-      </p:grpSpPr>
-      <p:sp>
-        <p:nvSpPr>
-          <p:cNvPr id="14" name="Rectangle 13">
-            <a:extLst>
-              <a:ext uri="{FF2B5EF4-FFF2-40B4-BE49-F238E27FC236}">
-                <a16:creationId xmlns:a16="http://schemas.microsoft.com/office/drawing/2014/main" id="{FC7A3AA1-44C4-4CBE-8808-D86A411AD665}"/>
-              </a:ext>
-              <a:ext uri="{C183D7F6-B498-43B3-948B-1728B52AA6E4}">
-                <adec:decorative xmlns:adec="http://schemas.microsoft.com/office/drawing/2017/decorative" val="1"/>
-              </a:ext>
-            </a:extLst>
-          </p:cNvPr>
-          <p:cNvSpPr>
-            <a:spLocks noGrp="1" noRot="1" noChangeAspect="1" noMove="1" noResize="1" noEditPoints="1" noAdjustHandles="1" noChangeArrowheads="1" noChangeShapeType="1" noTextEdit="1"/>
-          </p:cNvSpPr>
-          <p:nvPr>
-            <p:extLst>
-              <p:ext uri="{386F3935-93C4-4BCD-93E2-E3B085C9AB24}">
-                <p16:designElem xmlns:p16="http://schemas.microsoft.com/office/powerpoint/2015/main" val="1"/>
-              </p:ext>
-            </p:extLst>
-          </p:nvPr>
-        </p:nvSpPr>
-        <p:spPr>
-          <a:xfrm>
-            <a:off x="0" y="0"/>
-            <a:ext cx="12192000" cy="3032449"/>
-          </a:xfrm>
-          <a:prstGeom prst="rect">
-            <a:avLst/>
-          </a:prstGeom>
-          <a:gradFill>
-            <a:gsLst>
-              <a:gs pos="0">
-                <a:schemeClr val="accent1">
-                  <a:lumMod val="90000"/>
-                </a:schemeClr>
-              </a:gs>
-              <a:gs pos="25000">
-                <a:schemeClr val="accent1">
-                  <a:lumMod val="90000"/>
-                </a:schemeClr>
-              </a:gs>
-              <a:gs pos="94000">
-                <a:schemeClr val="bg2">
-                  <a:lumMod val="25000"/>
-                </a:schemeClr>
-              </a:gs>
-              <a:gs pos="100000">
-                <a:schemeClr val="bg2">
-                  <a:lumMod val="25000"/>
-                </a:schemeClr>
-              </a:gs>
-            </a:gsLst>
-            <a:lin ang="4200000" scaled="0"/>
-          </a:gradFill>
-          <a:ln>
-            <a:noFill/>
-          </a:ln>
-        </p:spPr>
-        <p:style>
-          <a:lnRef idx="2">
-            <a:schemeClr val="accent1">
-              <a:shade val="50000"/>
-            </a:schemeClr>
-          </a:lnRef>
-          <a:fillRef idx="1">
-            <a:schemeClr val="accent1"/>
-          </a:fillRef>
-          <a:effectRef idx="0">
-            <a:schemeClr val="accent1"/>
-          </a:effectRef>
-          <a:fontRef idx="minor">
-            <a:schemeClr val="lt1"/>
-          </a:fontRef>
-        </p:style>
-        <p:txBody>
-          <a:bodyPr rtlCol="0" anchor="ctr"/>
-          <a:lstStyle/>
-          <a:p>
-            <a:pPr algn="ctr"/>
-            <a:endParaRPr lang="en-US"/>
-          </a:p>
-        </p:txBody>
-      </p:sp>
-      <p:pic>
-        <p:nvPicPr>
-          <p:cNvPr id="16" name="Picture 15">
+          <p:cNvPr id="28" name="Picture 27">
             <a:extLst>
               <a:ext uri="{FF2B5EF4-FFF2-40B4-BE49-F238E27FC236}">
                 <a16:creationId xmlns:a16="http://schemas.microsoft.com/office/drawing/2014/main" id="{4FDAB746-A9A3-4EC2-8997-5EB71BC96424}"/>
@@ -4343,7 +4096,7 @@
           <p:cNvPr id="2" name="Title 1">
             <a:extLst>
               <a:ext uri="{FF2B5EF4-FFF2-40B4-BE49-F238E27FC236}">
-                <a16:creationId xmlns:a16="http://schemas.microsoft.com/office/drawing/2014/main" id="{F301C26D-E43E-4B97-B2A4-9A224C2AF9BF}"/>
+                <a16:creationId xmlns:a16="http://schemas.microsoft.com/office/drawing/2014/main" id="{92CF9FC0-2ECB-4D9C-9D56-548DD8C2E000}"/>
               </a:ext>
             </a:extLst>
           </p:cNvPr>
@@ -4372,7 +4125,7 @@
                   <a:srgbClr val="FFFFFF"/>
                 </a:solidFill>
               </a:rPr>
-              <a:t>Traffic Patterns in relation to AQI</a:t>
+              <a:t>AQI Trends from 2015 to 2020</a:t>
             </a:r>
           </a:p>
         </p:txBody>
@@ -4382,7 +4135,7 @@
           <p:cNvPr id="3" name="Content Placeholder 2">
             <a:extLst>
               <a:ext uri="{FF2B5EF4-FFF2-40B4-BE49-F238E27FC236}">
-                <a16:creationId xmlns:a16="http://schemas.microsoft.com/office/drawing/2014/main" id="{C2C6FC3C-25C5-404E-9D8F-2DCCB5B0B6DA}"/>
+                <a16:creationId xmlns:a16="http://schemas.microsoft.com/office/drawing/2014/main" id="{3A1A96B7-3148-4D94-8D22-7876A0F6DC4E}"/>
               </a:ext>
             </a:extLst>
           </p:cNvPr>
@@ -4406,29 +4159,39 @@
           <a:lstStyle/>
           <a:p>
             <a:r>
-              <a:rPr lang="en-US" sz="1500">
+              <a:rPr lang="en-US" sz="1400">
                 <a:solidFill>
                   <a:srgbClr val="FFFFFF"/>
                 </a:solidFill>
               </a:rPr>
-              <a:t>When analyzing traffic data in relation to AQI we saw a very minor impact.</a:t>
-            </a:r>
-          </a:p>
-          <a:p>
-            <a:r>
-              <a:rPr lang="en-US" sz="1500">
+              <a:t>AQI has been shown to be in steady decline during the timeframe that we examined.</a:t>
+            </a:r>
+          </a:p>
+          <a:p>
+            <a:r>
+              <a:rPr lang="en-US" sz="1400">
                 <a:solidFill>
                   <a:srgbClr val="FFFFFF"/>
                 </a:solidFill>
               </a:rPr>
-              <a:t>While traffic trends seemed to decrease during the most significant part of the state-wide lockdown, AQI was only minimally effected; showing only minor smoothing of the variance observed prior to the virus impacting Minnesota.</a:t>
-            </a:r>
-          </a:p>
-        </p:txBody>
-      </p:sp>
-      <p:sp>
-        <p:nvSpPr>
-          <p:cNvPr id="18" name="Rectangle 17">
+              <a:t>It is noteworthy to highlight that AQI seems to be season-dependent, with winter months having a spike in AQI and summer months being generally lower.</a:t>
+            </a:r>
+          </a:p>
+          <a:p>
+            <a:r>
+              <a:rPr lang="en-US" sz="1400">
+                <a:solidFill>
+                  <a:srgbClr val="FFFFFF"/>
+                </a:solidFill>
+              </a:rPr>
+              <a:t>This likely stems from the increased burning of gas and coal in order to heat homes and businesses.</a:t>
+            </a:r>
+          </a:p>
+        </p:txBody>
+      </p:sp>
+      <p:sp>
+        <p:nvSpPr>
+          <p:cNvPr id="30" name="Rectangle 29">
             <a:extLst>
               <a:ext uri="{FF2B5EF4-FFF2-40B4-BE49-F238E27FC236}">
                 <a16:creationId xmlns:a16="http://schemas.microsoft.com/office/drawing/2014/main" id="{091C9E05-1ED5-4438-8E0F-38219974999F}"/>
@@ -4491,10 +4254,10 @@
       </p:sp>
       <p:pic>
         <p:nvPicPr>
-          <p:cNvPr id="7" name="Picture 6" descr="Graphical user interface&#10;&#10;Description automatically generated">
-            <a:extLst>
-              <a:ext uri="{FF2B5EF4-FFF2-40B4-BE49-F238E27FC236}">
-                <a16:creationId xmlns:a16="http://schemas.microsoft.com/office/drawing/2014/main" id="{9032E4E5-4029-4D44-96F9-37D325B2EFA3}"/>
+          <p:cNvPr id="15" name="Content Placeholder 10" descr="A picture containing chart&#10;&#10;Description automatically generated">
+            <a:extLst>
+              <a:ext uri="{FF2B5EF4-FFF2-40B4-BE49-F238E27FC236}">
+                <a16:creationId xmlns:a16="http://schemas.microsoft.com/office/drawing/2014/main" id="{E8C7C205-F104-47B8-A7AA-1DA50FADA28C}"/>
               </a:ext>
             </a:extLst>
           </p:cNvPr>
@@ -4517,8 +4280,8 @@
         </p:blipFill>
         <p:spPr>
           <a:xfrm>
-            <a:off x="1500422" y="2717985"/>
-            <a:ext cx="8851975" cy="1770395"/>
+            <a:off x="1795350" y="4703313"/>
+            <a:ext cx="8598251" cy="1956101"/>
           </a:xfrm>
           <a:prstGeom prst="rect">
             <a:avLst/>
@@ -4527,10 +4290,10 @@
       </p:pic>
       <p:pic>
         <p:nvPicPr>
-          <p:cNvPr id="9" name="Picture 8" descr="Chart, scatter chart&#10;&#10;Description automatically generated">
-            <a:extLst>
-              <a:ext uri="{FF2B5EF4-FFF2-40B4-BE49-F238E27FC236}">
-                <a16:creationId xmlns:a16="http://schemas.microsoft.com/office/drawing/2014/main" id="{D79D282F-D483-4031-ADBA-6580A7E2364B}"/>
+          <p:cNvPr id="7" name="Picture 6" descr="Chart&#10;&#10;Description automatically generated">
+            <a:extLst>
+              <a:ext uri="{FF2B5EF4-FFF2-40B4-BE49-F238E27FC236}">
+                <a16:creationId xmlns:a16="http://schemas.microsoft.com/office/drawing/2014/main" id="{C6A5CF04-C9DF-4AC4-89E6-B8B902D7820B}"/>
               </a:ext>
             </a:extLst>
           </p:cNvPr>
@@ -4553,8 +4316,8 @@
         </p:blipFill>
         <p:spPr>
           <a:xfrm>
-            <a:off x="1385111" y="4767108"/>
-            <a:ext cx="9139820" cy="1827964"/>
+            <a:off x="872366" y="2614469"/>
+            <a:ext cx="10444220" cy="2088844"/>
           </a:xfrm>
           <a:prstGeom prst="rect">
             <a:avLst/>
@@ -4564,7 +4327,254 @@
     </p:spTree>
     <p:extLst>
       <p:ext uri="{BB962C8B-B14F-4D97-AF65-F5344CB8AC3E}">
-        <p14:creationId xmlns:p14="http://schemas.microsoft.com/office/powerpoint/2010/main" val="886009710"/>
+        <p14:creationId xmlns:p14="http://schemas.microsoft.com/office/powerpoint/2010/main" val="667880695"/>
+      </p:ext>
+    </p:extLst>
+  </p:cSld>
+  <p:clrMapOvr>
+    <a:masterClrMapping/>
+  </p:clrMapOvr>
+</p:sld>
+</file>
+
+<file path=ppt/slides/slide4.xml><?xml version="1.0" encoding="utf-8"?>
+<p:sld xmlns:a="http://schemas.openxmlformats.org/drawingml/2006/main" xmlns:r="http://schemas.openxmlformats.org/officeDocument/2006/relationships" xmlns:p="http://schemas.openxmlformats.org/presentationml/2006/main">
+  <p:cSld>
+    <p:bg>
+      <p:bgPr>
+        <a:solidFill>
+          <a:schemeClr val="bg1"/>
+        </a:solidFill>
+        <a:effectLst/>
+      </p:bgPr>
+    </p:bg>
+    <p:spTree>
+      <p:nvGrpSpPr>
+        <p:cNvPr id="1" name=""/>
+        <p:cNvGrpSpPr/>
+        <p:nvPr/>
+      </p:nvGrpSpPr>
+      <p:grpSpPr>
+        <a:xfrm>
+          <a:off x="0" y="0"/>
+          <a:ext cx="0" cy="0"/>
+          <a:chOff x="0" y="0"/>
+          <a:chExt cx="0" cy="0"/>
+        </a:xfrm>
+      </p:grpSpPr>
+      <p:sp>
+        <p:nvSpPr>
+          <p:cNvPr id="8" name="Rectangle 7">
+            <a:extLst>
+              <a:ext uri="{FF2B5EF4-FFF2-40B4-BE49-F238E27FC236}">
+                <a16:creationId xmlns:a16="http://schemas.microsoft.com/office/drawing/2014/main" id="{4351DFE5-F63D-4BE0-BDA9-E3EB88F01AA5}"/>
+              </a:ext>
+              <a:ext uri="{C183D7F6-B498-43B3-948B-1728B52AA6E4}">
+                <adec:decorative xmlns:adec="http://schemas.microsoft.com/office/drawing/2017/decorative" val="1"/>
+              </a:ext>
+            </a:extLst>
+          </p:cNvPr>
+          <p:cNvSpPr>
+            <a:spLocks noGrp="1" noRot="1" noChangeAspect="1" noMove="1" noResize="1" noEditPoints="1" noAdjustHandles="1" noChangeArrowheads="1" noChangeShapeType="1" noTextEdit="1"/>
+          </p:cNvSpPr>
+          <p:nvPr>
+            <p:extLst>
+              <p:ext uri="{386F3935-93C4-4BCD-93E2-E3B085C9AB24}">
+                <p16:designElem xmlns:p16="http://schemas.microsoft.com/office/powerpoint/2015/main" val="1"/>
+              </p:ext>
+            </p:extLst>
+          </p:nvPr>
+        </p:nvSpPr>
+        <p:spPr>
+          <a:xfrm>
+            <a:off x="355601" y="0"/>
+            <a:ext cx="11480494" cy="2753936"/>
+          </a:xfrm>
+          <a:prstGeom prst="rect">
+            <a:avLst/>
+          </a:prstGeom>
+          <a:gradFill>
+            <a:gsLst>
+              <a:gs pos="0">
+                <a:schemeClr val="accent1">
+                  <a:lumMod val="90000"/>
+                </a:schemeClr>
+              </a:gs>
+              <a:gs pos="25000">
+                <a:schemeClr val="accent1">
+                  <a:lumMod val="90000"/>
+                </a:schemeClr>
+              </a:gs>
+              <a:gs pos="94000">
+                <a:schemeClr val="bg2">
+                  <a:lumMod val="25000"/>
+                </a:schemeClr>
+              </a:gs>
+              <a:gs pos="100000">
+                <a:schemeClr val="bg2">
+                  <a:lumMod val="25000"/>
+                </a:schemeClr>
+              </a:gs>
+            </a:gsLst>
+            <a:lin ang="4200000" scaled="0"/>
+          </a:gradFill>
+          <a:ln>
+            <a:noFill/>
+          </a:ln>
+        </p:spPr>
+        <p:style>
+          <a:lnRef idx="2">
+            <a:schemeClr val="accent1">
+              <a:shade val="50000"/>
+            </a:schemeClr>
+          </a:lnRef>
+          <a:fillRef idx="1">
+            <a:schemeClr val="accent1"/>
+          </a:fillRef>
+          <a:effectRef idx="0">
+            <a:schemeClr val="accent1"/>
+          </a:effectRef>
+          <a:fontRef idx="minor">
+            <a:schemeClr val="lt1"/>
+          </a:fontRef>
+        </p:style>
+        <p:txBody>
+          <a:bodyPr rtlCol="0" anchor="ctr"/>
+          <a:lstStyle/>
+          <a:p>
+            <a:pPr algn="ctr"/>
+            <a:endParaRPr lang="en-US"/>
+          </a:p>
+        </p:txBody>
+      </p:sp>
+      <p:pic>
+        <p:nvPicPr>
+          <p:cNvPr id="10" name="Picture 9">
+            <a:extLst>
+              <a:ext uri="{FF2B5EF4-FFF2-40B4-BE49-F238E27FC236}">
+                <a16:creationId xmlns:a16="http://schemas.microsoft.com/office/drawing/2014/main" id="{3AA16612-ACD2-4A16-8F2B-4514FD6BF28F}"/>
+              </a:ext>
+              <a:ext uri="{C183D7F6-B498-43B3-948B-1728B52AA6E4}">
+                <adec:decorative xmlns:adec="http://schemas.microsoft.com/office/drawing/2017/decorative" val="1"/>
+              </a:ext>
+            </a:extLst>
+          </p:cNvPr>
+          <p:cNvPicPr>
+            <a:picLocks noGrp="1" noRot="1" noChangeAspect="1" noMove="1" noResize="1" noEditPoints="1" noAdjustHandles="1" noChangeArrowheads="1" noChangeShapeType="1" noCrop="1"/>
+          </p:cNvPicPr>
+          <p:nvPr>
+            <p:extLst>
+              <p:ext uri="{386F3935-93C4-4BCD-93E2-E3B085C9AB24}">
+                <p16:designElem xmlns:p16="http://schemas.microsoft.com/office/powerpoint/2015/main" val="1"/>
+              </p:ext>
+            </p:extLst>
+          </p:nvPr>
+        </p:nvPicPr>
+        <p:blipFill>
+          <a:blip r:embed="rId2">
+            <a:extLst>
+              <a:ext uri="{28A0092B-C50C-407E-A947-70E740481C1C}">
+                <a14:useLocalDpi xmlns:a14="http://schemas.microsoft.com/office/drawing/2010/main" val="0"/>
+              </a:ext>
+            </a:extLst>
+          </a:blip>
+          <a:stretch>
+            <a:fillRect/>
+          </a:stretch>
+        </p:blipFill>
+        <p:spPr>
+          <a:xfrm>
+            <a:off x="0" y="0"/>
+            <a:ext cx="12192000" cy="6858000"/>
+          </a:xfrm>
+          <a:prstGeom prst="rect">
+            <a:avLst/>
+          </a:prstGeom>
+        </p:spPr>
+      </p:pic>
+      <p:sp>
+        <p:nvSpPr>
+          <p:cNvPr id="2" name="Title 1">
+            <a:extLst>
+              <a:ext uri="{FF2B5EF4-FFF2-40B4-BE49-F238E27FC236}">
+                <a16:creationId xmlns:a16="http://schemas.microsoft.com/office/drawing/2014/main" id="{F701C7BF-A34A-44AA-B519-64BB1FEC18D3}"/>
+              </a:ext>
+            </a:extLst>
+          </p:cNvPr>
+          <p:cNvSpPr>
+            <a:spLocks noGrp="1"/>
+          </p:cNvSpPr>
+          <p:nvPr>
+            <p:ph type="title"/>
+          </p:nvPr>
+        </p:nvSpPr>
+        <p:spPr>
+          <a:xfrm>
+            <a:off x="1179226" y="826680"/>
+            <a:ext cx="9833548" cy="1325563"/>
+          </a:xfrm>
+        </p:spPr>
+        <p:txBody>
+          <a:bodyPr>
+            <a:normAutofit/>
+          </a:bodyPr>
+          <a:lstStyle/>
+          <a:p>
+            <a:pPr algn="ctr"/>
+            <a:r>
+              <a:rPr lang="en-US" sz="4000">
+                <a:solidFill>
+                  <a:srgbClr val="FFFFFF"/>
+                </a:solidFill>
+              </a:rPr>
+              <a:t>Covid-19’s Effect on Traffic Patterns</a:t>
+            </a:r>
+          </a:p>
+        </p:txBody>
+      </p:sp>
+      <p:sp>
+        <p:nvSpPr>
+          <p:cNvPr id="3" name="Content Placeholder 2">
+            <a:extLst>
+              <a:ext uri="{FF2B5EF4-FFF2-40B4-BE49-F238E27FC236}">
+                <a16:creationId xmlns:a16="http://schemas.microsoft.com/office/drawing/2014/main" id="{6C46B692-2835-4955-A67D-C0D0CE0E10F3}"/>
+              </a:ext>
+            </a:extLst>
+          </p:cNvPr>
+          <p:cNvSpPr>
+            <a:spLocks noGrp="1"/>
+          </p:cNvSpPr>
+          <p:nvPr>
+            <p:ph idx="1"/>
+          </p:nvPr>
+        </p:nvSpPr>
+        <p:spPr>
+          <a:xfrm>
+            <a:off x="1179226" y="3092970"/>
+            <a:ext cx="9833548" cy="2693976"/>
+          </a:xfrm>
+        </p:spPr>
+        <p:txBody>
+          <a:bodyPr>
+            <a:normAutofit/>
+          </a:bodyPr>
+          <a:lstStyle/>
+          <a:p>
+            <a:r>
+              <a:rPr lang="en-US" sz="2000">
+                <a:solidFill>
+                  <a:srgbClr val="000000"/>
+                </a:solidFill>
+              </a:rPr>
+              <a:t>When analyzing the impact of the pandemic on traffic patterns in the MPLS metro area</a:t>
+            </a:r>
+          </a:p>
+        </p:txBody>
+      </p:sp>
+    </p:spTree>
+    <p:extLst>
+      <p:ext uri="{BB962C8B-B14F-4D97-AF65-F5344CB8AC3E}">
+        <p14:creationId xmlns:p14="http://schemas.microsoft.com/office/powerpoint/2010/main" val="3970839947"/>
       </p:ext>
     </p:extLst>
   </p:cSld>
@@ -4601,10 +4611,10 @@
       </p:grpSpPr>
       <p:sp>
         <p:nvSpPr>
-          <p:cNvPr id="19" name="Rectangle 18">
-            <a:extLst>
-              <a:ext uri="{FF2B5EF4-FFF2-40B4-BE49-F238E27FC236}">
-                <a16:creationId xmlns:a16="http://schemas.microsoft.com/office/drawing/2014/main" id="{4351DFE5-F63D-4BE0-BDA9-E3EB88F01AA5}"/>
+          <p:cNvPr id="14" name="Rectangle 13">
+            <a:extLst>
+              <a:ext uri="{FF2B5EF4-FFF2-40B4-BE49-F238E27FC236}">
+                <a16:creationId xmlns:a16="http://schemas.microsoft.com/office/drawing/2014/main" id="{FC7A3AA1-44C4-4CBE-8808-D86A411AD665}"/>
               </a:ext>
               <a:ext uri="{C183D7F6-B498-43B3-948B-1728B52AA6E4}">
                 <adec:decorative xmlns:adec="http://schemas.microsoft.com/office/drawing/2017/decorative" val="1"/>
@@ -4624,8 +4634,8 @@
         </p:nvSpPr>
         <p:spPr>
           <a:xfrm>
-            <a:off x="355601" y="0"/>
-            <a:ext cx="11480494" cy="2753936"/>
+            <a:off x="0" y="0"/>
+            <a:ext cx="12192000" cy="3032449"/>
           </a:xfrm>
           <a:prstGeom prst="rect">
             <a:avLst/>
@@ -4686,10 +4696,10 @@
       </p:sp>
       <p:pic>
         <p:nvPicPr>
-          <p:cNvPr id="21" name="Picture 20">
-            <a:extLst>
-              <a:ext uri="{FF2B5EF4-FFF2-40B4-BE49-F238E27FC236}">
-                <a16:creationId xmlns:a16="http://schemas.microsoft.com/office/drawing/2014/main" id="{3AA16612-ACD2-4A16-8F2B-4514FD6BF28F}"/>
+          <p:cNvPr id="16" name="Picture 15">
+            <a:extLst>
+              <a:ext uri="{FF2B5EF4-FFF2-40B4-BE49-F238E27FC236}">
+                <a16:creationId xmlns:a16="http://schemas.microsoft.com/office/drawing/2014/main" id="{4FDAB746-A9A3-4EC2-8997-5EB71BC96424}"/>
               </a:ext>
               <a:ext uri="{C183D7F6-B498-43B3-948B-1728B52AA6E4}">
                 <adec:decorative xmlns:adec="http://schemas.microsoft.com/office/drawing/2017/decorative" val="1"/>
@@ -4707,7 +4717,7 @@
             </p:extLst>
           </p:nvPr>
         </p:nvPicPr>
-        <p:blipFill>
+        <p:blipFill rotWithShape="1">
           <a:blip r:embed="rId2">
             <a:extLst>
               <a:ext uri="{28A0092B-C50C-407E-A947-70E740481C1C}">
@@ -4715,18 +4725,60 @@
               </a:ext>
             </a:extLst>
           </a:blip>
-          <a:stretch>
-            <a:fillRect/>
-          </a:stretch>
+          <a:srcRect t="45716" b="33968"/>
+          <a:stretch/>
         </p:blipFill>
         <p:spPr>
           <a:xfrm>
-            <a:off x="0" y="0"/>
-            <a:ext cx="12192000" cy="6858000"/>
-          </a:xfrm>
-          <a:prstGeom prst="rect">
+            <a:off x="0" y="1584458"/>
+            <a:ext cx="12192000" cy="1393277"/>
+          </a:xfrm>
+          <a:custGeom>
             <a:avLst/>
-          </a:prstGeom>
+            <a:gdLst>
+              <a:gd name="connsiteX0" fmla="*/ 0 w 12192000"/>
+              <a:gd name="connsiteY0" fmla="*/ 0 h 3049325"/>
+              <a:gd name="connsiteX1" fmla="*/ 12192000 w 12192000"/>
+              <a:gd name="connsiteY1" fmla="*/ 0 h 3049325"/>
+              <a:gd name="connsiteX2" fmla="*/ 12192000 w 12192000"/>
+              <a:gd name="connsiteY2" fmla="*/ 3049325 h 3049325"/>
+              <a:gd name="connsiteX3" fmla="*/ 0 w 12192000"/>
+              <a:gd name="connsiteY3" fmla="*/ 3049325 h 3049325"/>
+            </a:gdLst>
+            <a:ahLst/>
+            <a:cxnLst>
+              <a:cxn ang="0">
+                <a:pos x="connsiteX0" y="connsiteY0"/>
+              </a:cxn>
+              <a:cxn ang="0">
+                <a:pos x="connsiteX1" y="connsiteY1"/>
+              </a:cxn>
+              <a:cxn ang="0">
+                <a:pos x="connsiteX2" y="connsiteY2"/>
+              </a:cxn>
+              <a:cxn ang="0">
+                <a:pos x="connsiteX3" y="connsiteY3"/>
+              </a:cxn>
+            </a:cxnLst>
+            <a:rect l="l" t="t" r="r" b="b"/>
+            <a:pathLst>
+              <a:path w="12192000" h="3049325">
+                <a:moveTo>
+                  <a:pt x="0" y="0"/>
+                </a:moveTo>
+                <a:lnTo>
+                  <a:pt x="12192000" y="0"/>
+                </a:lnTo>
+                <a:lnTo>
+                  <a:pt x="12192000" y="3049325"/>
+                </a:lnTo>
+                <a:lnTo>
+                  <a:pt x="0" y="3049325"/>
+                </a:lnTo>
+                <a:close/>
+              </a:path>
+            </a:pathLst>
+          </a:custGeom>
         </p:spPr>
       </p:pic>
       <p:sp>
@@ -4734,7 +4786,7 @@
           <p:cNvPr id="2" name="Title 1">
             <a:extLst>
               <a:ext uri="{FF2B5EF4-FFF2-40B4-BE49-F238E27FC236}">
-                <a16:creationId xmlns:a16="http://schemas.microsoft.com/office/drawing/2014/main" id="{92CF9FC0-2ECB-4D9C-9D56-548DD8C2E000}"/>
+                <a16:creationId xmlns:a16="http://schemas.microsoft.com/office/drawing/2014/main" id="{F301C26D-E43E-4B97-B2A4-9A224C2AF9BF}"/>
               </a:ext>
             </a:extLst>
           </p:cNvPr>
@@ -4747,8 +4799,8 @@
         </p:nvSpPr>
         <p:spPr>
           <a:xfrm>
-            <a:off x="1179226" y="826680"/>
-            <a:ext cx="9833548" cy="1325563"/>
+            <a:off x="804672" y="338328"/>
+            <a:ext cx="5011473" cy="1773936"/>
           </a:xfrm>
         </p:spPr>
         <p:txBody>
@@ -4757,14 +4809,13 @@
           </a:bodyPr>
           <a:lstStyle/>
           <a:p>
-            <a:pPr algn="ctr"/>
             <a:r>
               <a:rPr lang="en-US" sz="4000">
                 <a:solidFill>
                   <a:srgbClr val="FFFFFF"/>
                 </a:solidFill>
               </a:rPr>
-              <a:t>AQI Trends from 2015 to 2020</a:t>
+              <a:t>Traffic Patterns in relation to AQI</a:t>
             </a:r>
           </a:p>
         </p:txBody>
@@ -4774,7 +4825,7 @@
           <p:cNvPr id="3" name="Content Placeholder 2">
             <a:extLst>
               <a:ext uri="{FF2B5EF4-FFF2-40B4-BE49-F238E27FC236}">
-                <a16:creationId xmlns:a16="http://schemas.microsoft.com/office/drawing/2014/main" id="{3A1A96B7-3148-4D94-8D22-7876A0F6DC4E}"/>
+                <a16:creationId xmlns:a16="http://schemas.microsoft.com/office/drawing/2014/main" id="{C2C6FC3C-25C5-404E-9D8F-2DCCB5B0B6DA}"/>
               </a:ext>
             </a:extLst>
           </p:cNvPr>
@@ -4787,53 +4838,106 @@
         </p:nvSpPr>
         <p:spPr>
           <a:xfrm>
-            <a:off x="1179226" y="3092970"/>
-            <a:ext cx="9833548" cy="2693976"/>
-          </a:xfrm>
-        </p:spPr>
-        <p:txBody>
-          <a:bodyPr>
+            <a:off x="6355641" y="338328"/>
+            <a:ext cx="5029200" cy="1773936"/>
+          </a:xfrm>
+        </p:spPr>
+        <p:txBody>
+          <a:bodyPr anchor="ctr">
             <a:normAutofit/>
           </a:bodyPr>
           <a:lstStyle/>
           <a:p>
             <a:r>
-              <a:rPr lang="en-US" sz="2000">
+              <a:rPr lang="en-US" sz="1500">
                 <a:solidFill>
-                  <a:srgbClr val="000000"/>
+                  <a:srgbClr val="FFFFFF"/>
                 </a:solidFill>
               </a:rPr>
-              <a:t>AQI has been shown to be in steady decline during the timeframe that we examined.</a:t>
-            </a:r>
-          </a:p>
-          <a:p>
-            <a:r>
-              <a:rPr lang="en-US" sz="2000">
+              <a:t>When analyzing traffic data in relation to AQI we saw a very minor impact.</a:t>
+            </a:r>
+          </a:p>
+          <a:p>
+            <a:r>
+              <a:rPr lang="en-US" sz="1500">
                 <a:solidFill>
-                  <a:srgbClr val="000000"/>
+                  <a:srgbClr val="FFFFFF"/>
                 </a:solidFill>
               </a:rPr>
-              <a:t>It is noteworthy to highlight that AQI seems to be season-dependent, with winter months having a spike in AQI and summer months being generally lower.</a:t>
-            </a:r>
-          </a:p>
-          <a:p>
-            <a:r>
-              <a:rPr lang="en-US" sz="2000">
-                <a:solidFill>
-                  <a:srgbClr val="000000"/>
-                </a:solidFill>
-              </a:rPr>
-              <a:t>This likely stems from the increased burning of gas and coal in order to heat homes and businesses.</a:t>
-            </a:r>
+              <a:t>While traffic trends seemed to decrease during the most significant part of the state-wide lockdown, AQI was only minimally effected; showing only minor smoothing of the variance observed prior to the virus impacting Minnesota.</a:t>
+            </a:r>
+          </a:p>
+        </p:txBody>
+      </p:sp>
+      <p:sp>
+        <p:nvSpPr>
+          <p:cNvPr id="18" name="Rectangle 17">
+            <a:extLst>
+              <a:ext uri="{FF2B5EF4-FFF2-40B4-BE49-F238E27FC236}">
+                <a16:creationId xmlns:a16="http://schemas.microsoft.com/office/drawing/2014/main" id="{091C9E05-1ED5-4438-8E0F-38219974999F}"/>
+              </a:ext>
+              <a:ext uri="{C183D7F6-B498-43B3-948B-1728B52AA6E4}">
+                <adec:decorative xmlns:adec="http://schemas.microsoft.com/office/drawing/2017/decorative" val="1"/>
+              </a:ext>
+            </a:extLst>
+          </p:cNvPr>
+          <p:cNvSpPr>
+            <a:spLocks noGrp="1" noRot="1" noChangeAspect="1" noMove="1" noResize="1" noEditPoints="1" noAdjustHandles="1" noChangeArrowheads="1" noChangeShapeType="1" noTextEdit="1"/>
+          </p:cNvSpPr>
+          <p:nvPr>
+            <p:extLst>
+              <p:ext uri="{386F3935-93C4-4BCD-93E2-E3B085C9AB24}">
+                <p16:designElem xmlns:p16="http://schemas.microsoft.com/office/powerpoint/2015/main" val="1"/>
+              </p:ext>
+            </p:extLst>
+          </p:nvPr>
+        </p:nvSpPr>
+        <p:spPr>
+          <a:xfrm flipV="1">
+            <a:off x="0" y="2805364"/>
+            <a:ext cx="12188952" cy="4052636"/>
+          </a:xfrm>
+          <a:prstGeom prst="rect">
+            <a:avLst/>
+          </a:prstGeom>
+          <a:solidFill>
+            <a:srgbClr val="FFFFFF"/>
+          </a:solidFill>
+          <a:ln>
+            <a:noFill/>
+          </a:ln>
+        </p:spPr>
+        <p:style>
+          <a:lnRef idx="2">
+            <a:schemeClr val="accent1">
+              <a:shade val="50000"/>
+            </a:schemeClr>
+          </a:lnRef>
+          <a:fillRef idx="1">
+            <a:schemeClr val="accent1"/>
+          </a:fillRef>
+          <a:effectRef idx="0">
+            <a:schemeClr val="accent1"/>
+          </a:effectRef>
+          <a:fontRef idx="minor">
+            <a:schemeClr val="lt1"/>
+          </a:fontRef>
+        </p:style>
+        <p:txBody>
+          <a:bodyPr rtlCol="0" anchor="ctr"/>
+          <a:lstStyle/>
+          <a:p>
+            <a:pPr algn="ctr"/>
+            <a:endParaRPr lang="en-US"/>
           </a:p>
         </p:txBody>
       </p:sp>
       <p:pic>
         <p:nvPicPr>
-          <p:cNvPr id="7" name="Picture 6" descr="Chart&#10;&#10;Description automatically generated">
-            <a:extLst>
-              <a:ext uri="{FF2B5EF4-FFF2-40B4-BE49-F238E27FC236}">
-                <a16:creationId xmlns:a16="http://schemas.microsoft.com/office/drawing/2014/main" id="{C6A5CF04-C9DF-4AC4-89E6-B8B902D7820B}"/>
+          <p:cNvPr id="7" name="Picture 6" descr="Graphical user interface&#10;&#10;Description automatically generated">
+            <a:extLst>
+              <a:ext uri="{FF2B5EF4-FFF2-40B4-BE49-F238E27FC236}">
+                <a16:creationId xmlns:a16="http://schemas.microsoft.com/office/drawing/2014/main" id="{9032E4E5-4029-4D44-96F9-37D325B2EFA3}"/>
               </a:ext>
             </a:extLst>
           </p:cNvPr>
@@ -4856,8 +4960,44 @@
         </p:blipFill>
         <p:spPr>
           <a:xfrm>
-            <a:off x="1220603" y="4811897"/>
-            <a:ext cx="9750489" cy="1950098"/>
+            <a:off x="1500422" y="2717985"/>
+            <a:ext cx="8851975" cy="1770395"/>
+          </a:xfrm>
+          <a:prstGeom prst="rect">
+            <a:avLst/>
+          </a:prstGeom>
+        </p:spPr>
+      </p:pic>
+      <p:pic>
+        <p:nvPicPr>
+          <p:cNvPr id="9" name="Picture 8" descr="Chart, scatter chart&#10;&#10;Description automatically generated">
+            <a:extLst>
+              <a:ext uri="{FF2B5EF4-FFF2-40B4-BE49-F238E27FC236}">
+                <a16:creationId xmlns:a16="http://schemas.microsoft.com/office/drawing/2014/main" id="{D79D282F-D483-4031-ADBA-6580A7E2364B}"/>
+              </a:ext>
+            </a:extLst>
+          </p:cNvPr>
+          <p:cNvPicPr>
+            <a:picLocks noChangeAspect="1"/>
+          </p:cNvPicPr>
+          <p:nvPr/>
+        </p:nvPicPr>
+        <p:blipFill>
+          <a:blip r:embed="rId4">
+            <a:extLst>
+              <a:ext uri="{28A0092B-C50C-407E-A947-70E740481C1C}">
+                <a14:useLocalDpi xmlns:a14="http://schemas.microsoft.com/office/drawing/2010/main" val="0"/>
+              </a:ext>
+            </a:extLst>
+          </a:blip>
+          <a:stretch>
+            <a:fillRect/>
+          </a:stretch>
+        </p:blipFill>
+        <p:spPr>
+          <a:xfrm>
+            <a:off x="1385111" y="4767108"/>
+            <a:ext cx="9139820" cy="1827964"/>
           </a:xfrm>
           <a:prstGeom prst="rect">
             <a:avLst/>
@@ -4867,7 +5007,7 @@
     </p:spTree>
     <p:extLst>
       <p:ext uri="{BB962C8B-B14F-4D97-AF65-F5344CB8AC3E}">
-        <p14:creationId xmlns:p14="http://schemas.microsoft.com/office/powerpoint/2010/main" val="667880695"/>
+        <p14:creationId xmlns:p14="http://schemas.microsoft.com/office/powerpoint/2010/main" val="886009710"/>
       </p:ext>
     </p:extLst>
   </p:cSld>
@@ -5314,7 +5454,7 @@
           <a:lstStyle/>
           <a:p>
             <a:r>
-              <a:rPr lang="en-US" sz="2000">
+              <a:rPr lang="en-US" sz="2000" dirty="0">
                 <a:solidFill>
                   <a:srgbClr val="000000"/>
                 </a:solidFill>
@@ -5324,19 +5464,29 @@
           </a:p>
           <a:p>
             <a:r>
-              <a:rPr lang="en-US" sz="2000">
+              <a:rPr lang="en-US" sz="2000" dirty="0">
                 <a:solidFill>
                   <a:srgbClr val="000000"/>
                 </a:solidFill>
               </a:rPr>
-              <a:t>Of the data we have succeeded in compiling a linear regression for, we show a negative correlation between the advancement of time and AQI. </a:t>
+              <a:t>Of the data we have succeeded in compiling a linear regression for, we show a negative correlation between the advancement of time and AQI.</a:t>
+            </a:r>
+          </a:p>
+          <a:p>
+            <a:r>
+              <a:rPr lang="en-US" sz="2000" dirty="0">
+                <a:solidFill>
+                  <a:srgbClr val="000000"/>
+                </a:solidFill>
+              </a:rPr>
+              <a:t>This correlation, however, is quite weak. </a:t>
             </a:r>
           </a:p>
           <a:p>
             <a:pPr marL="0" indent="0">
               <a:buNone/>
             </a:pPr>
-            <a:endParaRPr lang="en-US" sz="2000">
+            <a:endParaRPr lang="en-US" sz="2000" dirty="0">
               <a:solidFill>
                 <a:srgbClr val="000000"/>
               </a:solidFill>
@@ -5358,250 +5508,6 @@
 </file>
 
 <file path=ppt/slides/slide7.xml><?xml version="1.0" encoding="utf-8"?>
-<p:sld xmlns:a="http://schemas.openxmlformats.org/drawingml/2006/main" xmlns:r="http://schemas.openxmlformats.org/officeDocument/2006/relationships" xmlns:p="http://schemas.openxmlformats.org/presentationml/2006/main">
-  <p:cSld>
-    <p:bg>
-      <p:bgPr>
-        <a:solidFill>
-          <a:schemeClr val="bg1"/>
-        </a:solidFill>
-        <a:effectLst/>
-      </p:bgPr>
-    </p:bg>
-    <p:spTree>
-      <p:nvGrpSpPr>
-        <p:cNvPr id="1" name=""/>
-        <p:cNvGrpSpPr/>
-        <p:nvPr/>
-      </p:nvGrpSpPr>
-      <p:grpSpPr>
-        <a:xfrm>
-          <a:off x="0" y="0"/>
-          <a:ext cx="0" cy="0"/>
-          <a:chOff x="0" y="0"/>
-          <a:chExt cx="0" cy="0"/>
-        </a:xfrm>
-      </p:grpSpPr>
-      <p:sp>
-        <p:nvSpPr>
-          <p:cNvPr id="8" name="Rectangle 7">
-            <a:extLst>
-              <a:ext uri="{FF2B5EF4-FFF2-40B4-BE49-F238E27FC236}">
-                <a16:creationId xmlns:a16="http://schemas.microsoft.com/office/drawing/2014/main" id="{4351DFE5-F63D-4BE0-BDA9-E3EB88F01AA5}"/>
-              </a:ext>
-              <a:ext uri="{C183D7F6-B498-43B3-948B-1728B52AA6E4}">
-                <adec:decorative xmlns:adec="http://schemas.microsoft.com/office/drawing/2017/decorative" val="1"/>
-              </a:ext>
-            </a:extLst>
-          </p:cNvPr>
-          <p:cNvSpPr>
-            <a:spLocks noGrp="1" noRot="1" noChangeAspect="1" noMove="1" noResize="1" noEditPoints="1" noAdjustHandles="1" noChangeArrowheads="1" noChangeShapeType="1" noTextEdit="1"/>
-          </p:cNvSpPr>
-          <p:nvPr>
-            <p:extLst>
-              <p:ext uri="{386F3935-93C4-4BCD-93E2-E3B085C9AB24}">
-                <p16:designElem xmlns:p16="http://schemas.microsoft.com/office/powerpoint/2015/main" val="1"/>
-              </p:ext>
-            </p:extLst>
-          </p:nvPr>
-        </p:nvSpPr>
-        <p:spPr>
-          <a:xfrm>
-            <a:off x="355601" y="0"/>
-            <a:ext cx="11480494" cy="2753936"/>
-          </a:xfrm>
-          <a:prstGeom prst="rect">
-            <a:avLst/>
-          </a:prstGeom>
-          <a:gradFill>
-            <a:gsLst>
-              <a:gs pos="0">
-                <a:schemeClr val="accent1">
-                  <a:lumMod val="90000"/>
-                </a:schemeClr>
-              </a:gs>
-              <a:gs pos="25000">
-                <a:schemeClr val="accent1">
-                  <a:lumMod val="90000"/>
-                </a:schemeClr>
-              </a:gs>
-              <a:gs pos="94000">
-                <a:schemeClr val="bg2">
-                  <a:lumMod val="25000"/>
-                </a:schemeClr>
-              </a:gs>
-              <a:gs pos="100000">
-                <a:schemeClr val="bg2">
-                  <a:lumMod val="25000"/>
-                </a:schemeClr>
-              </a:gs>
-            </a:gsLst>
-            <a:lin ang="4200000" scaled="0"/>
-          </a:gradFill>
-          <a:ln>
-            <a:noFill/>
-          </a:ln>
-        </p:spPr>
-        <p:style>
-          <a:lnRef idx="2">
-            <a:schemeClr val="accent1">
-              <a:shade val="50000"/>
-            </a:schemeClr>
-          </a:lnRef>
-          <a:fillRef idx="1">
-            <a:schemeClr val="accent1"/>
-          </a:fillRef>
-          <a:effectRef idx="0">
-            <a:schemeClr val="accent1"/>
-          </a:effectRef>
-          <a:fontRef idx="minor">
-            <a:schemeClr val="lt1"/>
-          </a:fontRef>
-        </p:style>
-        <p:txBody>
-          <a:bodyPr rtlCol="0" anchor="ctr"/>
-          <a:lstStyle/>
-          <a:p>
-            <a:pPr algn="ctr"/>
-            <a:endParaRPr lang="en-US"/>
-          </a:p>
-        </p:txBody>
-      </p:sp>
-      <p:pic>
-        <p:nvPicPr>
-          <p:cNvPr id="10" name="Picture 9">
-            <a:extLst>
-              <a:ext uri="{FF2B5EF4-FFF2-40B4-BE49-F238E27FC236}">
-                <a16:creationId xmlns:a16="http://schemas.microsoft.com/office/drawing/2014/main" id="{3AA16612-ACD2-4A16-8F2B-4514FD6BF28F}"/>
-              </a:ext>
-              <a:ext uri="{C183D7F6-B498-43B3-948B-1728B52AA6E4}">
-                <adec:decorative xmlns:adec="http://schemas.microsoft.com/office/drawing/2017/decorative" val="1"/>
-              </a:ext>
-            </a:extLst>
-          </p:cNvPr>
-          <p:cNvPicPr>
-            <a:picLocks noGrp="1" noRot="1" noChangeAspect="1" noMove="1" noResize="1" noEditPoints="1" noAdjustHandles="1" noChangeArrowheads="1" noChangeShapeType="1" noCrop="1"/>
-          </p:cNvPicPr>
-          <p:nvPr>
-            <p:extLst>
-              <p:ext uri="{386F3935-93C4-4BCD-93E2-E3B085C9AB24}">
-                <p16:designElem xmlns:p16="http://schemas.microsoft.com/office/powerpoint/2015/main" val="1"/>
-              </p:ext>
-            </p:extLst>
-          </p:nvPr>
-        </p:nvPicPr>
-        <p:blipFill>
-          <a:blip r:embed="rId2">
-            <a:extLst>
-              <a:ext uri="{28A0092B-C50C-407E-A947-70E740481C1C}">
-                <a14:useLocalDpi xmlns:a14="http://schemas.microsoft.com/office/drawing/2010/main" val="0"/>
-              </a:ext>
-            </a:extLst>
-          </a:blip>
-          <a:stretch>
-            <a:fillRect/>
-          </a:stretch>
-        </p:blipFill>
-        <p:spPr>
-          <a:xfrm>
-            <a:off x="0" y="0"/>
-            <a:ext cx="12192000" cy="6858000"/>
-          </a:xfrm>
-          <a:prstGeom prst="rect">
-            <a:avLst/>
-          </a:prstGeom>
-        </p:spPr>
-      </p:pic>
-      <p:sp>
-        <p:nvSpPr>
-          <p:cNvPr id="2" name="Title 1">
-            <a:extLst>
-              <a:ext uri="{FF2B5EF4-FFF2-40B4-BE49-F238E27FC236}">
-                <a16:creationId xmlns:a16="http://schemas.microsoft.com/office/drawing/2014/main" id="{2076D081-0D4A-4971-A536-92D2FDFEA37A}"/>
-              </a:ext>
-            </a:extLst>
-          </p:cNvPr>
-          <p:cNvSpPr>
-            <a:spLocks noGrp="1"/>
-          </p:cNvSpPr>
-          <p:nvPr>
-            <p:ph type="title"/>
-          </p:nvPr>
-        </p:nvSpPr>
-        <p:spPr>
-          <a:xfrm>
-            <a:off x="1179226" y="826680"/>
-            <a:ext cx="9833548" cy="1325563"/>
-          </a:xfrm>
-        </p:spPr>
-        <p:txBody>
-          <a:bodyPr>
-            <a:normAutofit/>
-          </a:bodyPr>
-          <a:lstStyle/>
-          <a:p>
-            <a:pPr algn="ctr"/>
-            <a:r>
-              <a:rPr lang="en-US" sz="4000">
-                <a:solidFill>
-                  <a:srgbClr val="FFFFFF"/>
-                </a:solidFill>
-              </a:rPr>
-              <a:t>Actual 2020 AQI </a:t>
-            </a:r>
-          </a:p>
-        </p:txBody>
-      </p:sp>
-      <p:sp>
-        <p:nvSpPr>
-          <p:cNvPr id="3" name="Content Placeholder 2">
-            <a:extLst>
-              <a:ext uri="{FF2B5EF4-FFF2-40B4-BE49-F238E27FC236}">
-                <a16:creationId xmlns:a16="http://schemas.microsoft.com/office/drawing/2014/main" id="{4D201301-ACAC-483E-A3CB-D97BA8821D27}"/>
-              </a:ext>
-            </a:extLst>
-          </p:cNvPr>
-          <p:cNvSpPr>
-            <a:spLocks noGrp="1"/>
-          </p:cNvSpPr>
-          <p:nvPr>
-            <p:ph idx="1"/>
-          </p:nvPr>
-        </p:nvSpPr>
-        <p:spPr>
-          <a:xfrm>
-            <a:off x="1179226" y="3092970"/>
-            <a:ext cx="9833548" cy="2693976"/>
-          </a:xfrm>
-        </p:spPr>
-        <p:txBody>
-          <a:bodyPr>
-            <a:normAutofit/>
-          </a:bodyPr>
-          <a:lstStyle/>
-          <a:p>
-            <a:endParaRPr lang="en-US" sz="2000">
-              <a:solidFill>
-                <a:srgbClr val="000000"/>
-              </a:solidFill>
-            </a:endParaRPr>
-          </a:p>
-        </p:txBody>
-      </p:sp>
-    </p:spTree>
-    <p:extLst>
-      <p:ext uri="{BB962C8B-B14F-4D97-AF65-F5344CB8AC3E}">
-        <p14:creationId xmlns:p14="http://schemas.microsoft.com/office/powerpoint/2010/main" val="1593407630"/>
-      </p:ext>
-    </p:extLst>
-  </p:cSld>
-  <p:clrMapOvr>
-    <a:masterClrMapping/>
-  </p:clrMapOvr>
-</p:sld>
-</file>
-
-<file path=ppt/slides/slide8.xml><?xml version="1.0" encoding="utf-8"?>
 <p:sld xmlns:a="http://schemas.openxmlformats.org/drawingml/2006/main" xmlns:r="http://schemas.openxmlformats.org/officeDocument/2006/relationships" xmlns:p="http://schemas.openxmlformats.org/presentationml/2006/main">
   <p:cSld>
     <p:bg>
@@ -6013,7 +5919,7 @@
 </p:sld>
 </file>
 
-<file path=ppt/slides/slide9.xml><?xml version="1.0" encoding="utf-8"?>
+<file path=ppt/slides/slide8.xml><?xml version="1.0" encoding="utf-8"?>
 <p:sld xmlns:a="http://schemas.openxmlformats.org/drawingml/2006/main" xmlns:r="http://schemas.openxmlformats.org/officeDocument/2006/relationships" xmlns:p="http://schemas.openxmlformats.org/presentationml/2006/main">
   <p:cSld>
     <p:bg>
@@ -6498,6 +6404,326 @@
     <p:extLst>
       <p:ext uri="{BB962C8B-B14F-4D97-AF65-F5344CB8AC3E}">
         <p14:creationId xmlns:p14="http://schemas.microsoft.com/office/powerpoint/2010/main" val="1806699807"/>
+      </p:ext>
+    </p:extLst>
+  </p:cSld>
+  <p:clrMapOvr>
+    <a:masterClrMapping/>
+  </p:clrMapOvr>
+</p:sld>
+</file>
+
+<file path=ppt/slides/slide9.xml><?xml version="1.0" encoding="utf-8"?>
+<p:sld xmlns:a="http://schemas.openxmlformats.org/drawingml/2006/main" xmlns:r="http://schemas.openxmlformats.org/officeDocument/2006/relationships" xmlns:p="http://schemas.openxmlformats.org/presentationml/2006/main">
+  <p:cSld>
+    <p:bg>
+      <p:bgPr>
+        <a:solidFill>
+          <a:schemeClr val="bg1"/>
+        </a:solidFill>
+        <a:effectLst/>
+      </p:bgPr>
+    </p:bg>
+    <p:spTree>
+      <p:nvGrpSpPr>
+        <p:cNvPr id="1" name=""/>
+        <p:cNvGrpSpPr/>
+        <p:nvPr/>
+      </p:nvGrpSpPr>
+      <p:grpSpPr>
+        <a:xfrm>
+          <a:off x="0" y="0"/>
+          <a:ext cx="0" cy="0"/>
+          <a:chOff x="0" y="0"/>
+          <a:chExt cx="0" cy="0"/>
+        </a:xfrm>
+      </p:grpSpPr>
+      <p:sp useBgFill="1">
+        <p:nvSpPr>
+          <p:cNvPr id="13" name="Rectangle 7">
+            <a:extLst>
+              <a:ext uri="{FF2B5EF4-FFF2-40B4-BE49-F238E27FC236}">
+                <a16:creationId xmlns:a16="http://schemas.microsoft.com/office/drawing/2014/main" id="{3B854194-185D-494D-905C-7C7CB2E30F6E}"/>
+              </a:ext>
+              <a:ext uri="{C183D7F6-B498-43B3-948B-1728B52AA6E4}">
+                <adec:decorative xmlns:adec="http://schemas.microsoft.com/office/drawing/2017/decorative" val="1"/>
+              </a:ext>
+            </a:extLst>
+          </p:cNvPr>
+          <p:cNvSpPr>
+            <a:spLocks noGrp="1" noRot="1" noChangeAspect="1" noMove="1" noResize="1" noEditPoints="1" noAdjustHandles="1" noChangeArrowheads="1" noChangeShapeType="1" noTextEdit="1"/>
+          </p:cNvSpPr>
+          <p:nvPr>
+            <p:extLst>
+              <p:ext uri="{386F3935-93C4-4BCD-93E2-E3B085C9AB24}">
+                <p16:designElem xmlns:p16="http://schemas.microsoft.com/office/powerpoint/2015/main" val="1"/>
+              </p:ext>
+            </p:extLst>
+          </p:nvPr>
+        </p:nvSpPr>
+        <p:spPr>
+          <a:xfrm>
+            <a:off x="1" y="0"/>
+            <a:ext cx="6082110" cy="6858000"/>
+          </a:xfrm>
+          <a:prstGeom prst="rect">
+            <a:avLst/>
+          </a:prstGeom>
+          <a:ln>
+            <a:noFill/>
+          </a:ln>
+        </p:spPr>
+        <p:style>
+          <a:lnRef idx="2">
+            <a:schemeClr val="accent1">
+              <a:shade val="50000"/>
+            </a:schemeClr>
+          </a:lnRef>
+          <a:fillRef idx="1">
+            <a:schemeClr val="accent1"/>
+          </a:fillRef>
+          <a:effectRef idx="0">
+            <a:schemeClr val="accent1"/>
+          </a:effectRef>
+          <a:fontRef idx="minor">
+            <a:schemeClr val="lt1"/>
+          </a:fontRef>
+        </p:style>
+        <p:txBody>
+          <a:bodyPr rtlCol="0" anchor="ctr"/>
+          <a:lstStyle/>
+          <a:p>
+            <a:pPr algn="ctr"/>
+            <a:endParaRPr lang="en-US"/>
+          </a:p>
+        </p:txBody>
+      </p:sp>
+      <p:sp>
+        <p:nvSpPr>
+          <p:cNvPr id="14" name="Rectangle 9">
+            <a:extLst>
+              <a:ext uri="{FF2B5EF4-FFF2-40B4-BE49-F238E27FC236}">
+                <a16:creationId xmlns:a16="http://schemas.microsoft.com/office/drawing/2014/main" id="{B4F5FA0D-0104-4987-8241-EFF7C85B88DE}"/>
+              </a:ext>
+              <a:ext uri="{C183D7F6-B498-43B3-948B-1728B52AA6E4}">
+                <adec:decorative xmlns:adec="http://schemas.microsoft.com/office/drawing/2017/decorative" val="1"/>
+              </a:ext>
+            </a:extLst>
+          </p:cNvPr>
+          <p:cNvSpPr>
+            <a:spLocks noGrp="1" noRot="1" noChangeAspect="1" noMove="1" noResize="1" noEditPoints="1" noAdjustHandles="1" noChangeArrowheads="1" noChangeShapeType="1" noTextEdit="1"/>
+          </p:cNvSpPr>
+          <p:nvPr>
+            <p:extLst>
+              <p:ext uri="{386F3935-93C4-4BCD-93E2-E3B085C9AB24}">
+                <p16:designElem xmlns:p16="http://schemas.microsoft.com/office/powerpoint/2015/main" val="1"/>
+              </p:ext>
+            </p:extLst>
+          </p:nvPr>
+        </p:nvSpPr>
+        <p:spPr>
+          <a:xfrm>
+            <a:off x="1" y="0"/>
+            <a:ext cx="12191998" cy="6858000"/>
+          </a:xfrm>
+          <a:prstGeom prst="rect">
+            <a:avLst/>
+          </a:prstGeom>
+          <a:gradFill>
+            <a:gsLst>
+              <a:gs pos="0">
+                <a:schemeClr val="accent1">
+                  <a:lumMod val="90000"/>
+                </a:schemeClr>
+              </a:gs>
+              <a:gs pos="25000">
+                <a:schemeClr val="accent1">
+                  <a:lumMod val="90000"/>
+                </a:schemeClr>
+              </a:gs>
+              <a:gs pos="94000">
+                <a:schemeClr val="bg2">
+                  <a:lumMod val="25000"/>
+                </a:schemeClr>
+              </a:gs>
+              <a:gs pos="100000">
+                <a:schemeClr val="bg2">
+                  <a:lumMod val="25000"/>
+                </a:schemeClr>
+              </a:gs>
+            </a:gsLst>
+            <a:lin ang="4200000" scaled="0"/>
+          </a:gradFill>
+          <a:ln>
+            <a:noFill/>
+          </a:ln>
+        </p:spPr>
+        <p:style>
+          <a:lnRef idx="2">
+            <a:schemeClr val="accent1">
+              <a:shade val="50000"/>
+            </a:schemeClr>
+          </a:lnRef>
+          <a:fillRef idx="1">
+            <a:schemeClr val="accent1"/>
+          </a:fillRef>
+          <a:effectRef idx="0">
+            <a:schemeClr val="accent1"/>
+          </a:effectRef>
+          <a:fontRef idx="minor">
+            <a:schemeClr val="lt1"/>
+          </a:fontRef>
+        </p:style>
+        <p:txBody>
+          <a:bodyPr rtlCol="0" anchor="ctr"/>
+          <a:lstStyle/>
+          <a:p>
+            <a:pPr algn="ctr"/>
+            <a:endParaRPr lang="en-US"/>
+          </a:p>
+        </p:txBody>
+      </p:sp>
+      <p:pic>
+        <p:nvPicPr>
+          <p:cNvPr id="12" name="Picture 11">
+            <a:extLst>
+              <a:ext uri="{FF2B5EF4-FFF2-40B4-BE49-F238E27FC236}">
+                <a16:creationId xmlns:a16="http://schemas.microsoft.com/office/drawing/2014/main" id="{2897127E-6CEF-446C-BE87-93B7C46E49D1}"/>
+              </a:ext>
+              <a:ext uri="{C183D7F6-B498-43B3-948B-1728B52AA6E4}">
+                <adec:decorative xmlns:adec="http://schemas.microsoft.com/office/drawing/2017/decorative" val="1"/>
+              </a:ext>
+            </a:extLst>
+          </p:cNvPr>
+          <p:cNvPicPr>
+            <a:picLocks noGrp="1" noRot="1" noChangeAspect="1" noMove="1" noResize="1" noEditPoints="1" noAdjustHandles="1" noChangeArrowheads="1" noChangeShapeType="1" noCrop="1"/>
+          </p:cNvPicPr>
+          <p:nvPr>
+            <p:extLst>
+              <p:ext uri="{386F3935-93C4-4BCD-93E2-E3B085C9AB24}">
+                <p16:designElem xmlns:p16="http://schemas.microsoft.com/office/powerpoint/2015/main" val="1"/>
+              </p:ext>
+            </p:extLst>
+          </p:nvPr>
+        </p:nvPicPr>
+        <p:blipFill>
+          <a:blip r:embed="rId2">
+            <a:extLst>
+              <a:ext uri="{28A0092B-C50C-407E-A947-70E740481C1C}">
+                <a14:useLocalDpi xmlns:a14="http://schemas.microsoft.com/office/drawing/2010/main" val="0"/>
+              </a:ext>
+            </a:extLst>
+          </a:blip>
+          <a:stretch>
+            <a:fillRect/>
+          </a:stretch>
+        </p:blipFill>
+        <p:spPr>
+          <a:xfrm>
+            <a:off x="0" y="0"/>
+            <a:ext cx="12192000" cy="6858000"/>
+          </a:xfrm>
+          <a:prstGeom prst="rect">
+            <a:avLst/>
+          </a:prstGeom>
+        </p:spPr>
+      </p:pic>
+      <p:sp>
+        <p:nvSpPr>
+          <p:cNvPr id="2" name="Title 1">
+            <a:extLst>
+              <a:ext uri="{FF2B5EF4-FFF2-40B4-BE49-F238E27FC236}">
+                <a16:creationId xmlns:a16="http://schemas.microsoft.com/office/drawing/2014/main" id="{8E1B29A9-1857-4208-BB10-EF52F17AE186}"/>
+              </a:ext>
+            </a:extLst>
+          </p:cNvPr>
+          <p:cNvSpPr>
+            <a:spLocks noGrp="1"/>
+          </p:cNvSpPr>
+          <p:nvPr>
+            <p:ph type="title"/>
+          </p:nvPr>
+        </p:nvSpPr>
+        <p:spPr>
+          <a:xfrm>
+            <a:off x="388153" y="1439570"/>
+            <a:ext cx="1991154" cy="3978859"/>
+          </a:xfrm>
+        </p:spPr>
+        <p:txBody>
+          <a:bodyPr>
+            <a:normAutofit/>
+          </a:bodyPr>
+          <a:lstStyle/>
+          <a:p>
+            <a:r>
+              <a:rPr lang="en-US" dirty="0">
+                <a:solidFill>
+                  <a:srgbClr val="FFFFFF"/>
+                </a:solidFill>
+              </a:rPr>
+              <a:t>Tools Used in Analysis</a:t>
+            </a:r>
+          </a:p>
+        </p:txBody>
+      </p:sp>
+      <p:sp>
+        <p:nvSpPr>
+          <p:cNvPr id="16" name="Content Placeholder 15">
+            <a:extLst>
+              <a:ext uri="{FF2B5EF4-FFF2-40B4-BE49-F238E27FC236}">
+                <a16:creationId xmlns:a16="http://schemas.microsoft.com/office/drawing/2014/main" id="{13C26CCF-57CF-4DA3-8939-959E3A41E95A}"/>
+              </a:ext>
+            </a:extLst>
+          </p:cNvPr>
+          <p:cNvSpPr>
+            <a:spLocks noGrp="1"/>
+          </p:cNvSpPr>
+          <p:nvPr>
+            <p:ph idx="1"/>
+          </p:nvPr>
+        </p:nvSpPr>
+        <p:spPr>
+          <a:xfrm>
+            <a:off x="5271690" y="1921079"/>
+            <a:ext cx="6082110" cy="4255884"/>
+          </a:xfrm>
+        </p:spPr>
+        <p:txBody>
+          <a:bodyPr/>
+          <a:lstStyle/>
+          <a:p>
+            <a:r>
+              <a:rPr lang="en-US" dirty="0"/>
+              <a:t>We employed various analytic tools throughout this project.</a:t>
+            </a:r>
+          </a:p>
+          <a:p>
+            <a:r>
+              <a:rPr lang="en-US" dirty="0"/>
+              <a:t>These include: Pandas, Matplotlib, Excel, </a:t>
+            </a:r>
+            <a:r>
+              <a:rPr lang="en-US" dirty="0" err="1"/>
+              <a:t>Jupyter</a:t>
+            </a:r>
+            <a:r>
+              <a:rPr lang="en-US" dirty="0"/>
+              <a:t> Notebook, VS Code, and several APIs</a:t>
+            </a:r>
+          </a:p>
+          <a:p>
+            <a:pPr marL="0" indent="0">
+              <a:buNone/>
+            </a:pPr>
+            <a:endParaRPr lang="en-US" dirty="0"/>
+          </a:p>
+        </p:txBody>
+      </p:sp>
+    </p:spTree>
+    <p:extLst>
+      <p:ext uri="{BB962C8B-B14F-4D97-AF65-F5344CB8AC3E}">
+        <p14:creationId xmlns:p14="http://schemas.microsoft.com/office/powerpoint/2010/main" val="803579087"/>
       </p:ext>
     </p:extLst>
   </p:cSld>

--- a/AQI_Presentation.pptx
+++ b/AQI_Presentation.pptx
@@ -4364,10 +4364,10 @@
       </p:grpSpPr>
       <p:sp>
         <p:nvSpPr>
-          <p:cNvPr id="8" name="Rectangle 7">
-            <a:extLst>
-              <a:ext uri="{FF2B5EF4-FFF2-40B4-BE49-F238E27FC236}">
-                <a16:creationId xmlns:a16="http://schemas.microsoft.com/office/drawing/2014/main" id="{4351DFE5-F63D-4BE0-BDA9-E3EB88F01AA5}"/>
+          <p:cNvPr id="15" name="Rectangle 14">
+            <a:extLst>
+              <a:ext uri="{FF2B5EF4-FFF2-40B4-BE49-F238E27FC236}">
+                <a16:creationId xmlns:a16="http://schemas.microsoft.com/office/drawing/2014/main" id="{FC7A3AA1-44C4-4CBE-8808-D86A411AD665}"/>
               </a:ext>
               <a:ext uri="{C183D7F6-B498-43B3-948B-1728B52AA6E4}">
                 <adec:decorative xmlns:adec="http://schemas.microsoft.com/office/drawing/2017/decorative" val="1"/>
@@ -4387,8 +4387,8 @@
         </p:nvSpPr>
         <p:spPr>
           <a:xfrm>
-            <a:off x="355601" y="0"/>
-            <a:ext cx="11480494" cy="2753936"/>
+            <a:off x="0" y="0"/>
+            <a:ext cx="12192000" cy="3032449"/>
           </a:xfrm>
           <a:prstGeom prst="rect">
             <a:avLst/>
@@ -4449,10 +4449,10 @@
       </p:sp>
       <p:pic>
         <p:nvPicPr>
-          <p:cNvPr id="10" name="Picture 9">
-            <a:extLst>
-              <a:ext uri="{FF2B5EF4-FFF2-40B4-BE49-F238E27FC236}">
-                <a16:creationId xmlns:a16="http://schemas.microsoft.com/office/drawing/2014/main" id="{3AA16612-ACD2-4A16-8F2B-4514FD6BF28F}"/>
+          <p:cNvPr id="17" name="Picture 16">
+            <a:extLst>
+              <a:ext uri="{FF2B5EF4-FFF2-40B4-BE49-F238E27FC236}">
+                <a16:creationId xmlns:a16="http://schemas.microsoft.com/office/drawing/2014/main" id="{4FDAB746-A9A3-4EC2-8997-5EB71BC96424}"/>
               </a:ext>
               <a:ext uri="{C183D7F6-B498-43B3-948B-1728B52AA6E4}">
                 <adec:decorative xmlns:adec="http://schemas.microsoft.com/office/drawing/2017/decorative" val="1"/>
@@ -4470,7 +4470,7 @@
             </p:extLst>
           </p:nvPr>
         </p:nvPicPr>
-        <p:blipFill>
+        <p:blipFill rotWithShape="1">
           <a:blip r:embed="rId2">
             <a:extLst>
               <a:ext uri="{28A0092B-C50C-407E-A947-70E740481C1C}">
@@ -4478,18 +4478,60 @@
               </a:ext>
             </a:extLst>
           </a:blip>
-          <a:stretch>
-            <a:fillRect/>
-          </a:stretch>
+          <a:srcRect t="45716" b="33968"/>
+          <a:stretch/>
         </p:blipFill>
         <p:spPr>
           <a:xfrm>
-            <a:off x="0" y="0"/>
-            <a:ext cx="12192000" cy="6858000"/>
-          </a:xfrm>
-          <a:prstGeom prst="rect">
+            <a:off x="0" y="1584458"/>
+            <a:ext cx="12192000" cy="1393277"/>
+          </a:xfrm>
+          <a:custGeom>
             <a:avLst/>
-          </a:prstGeom>
+            <a:gdLst>
+              <a:gd name="connsiteX0" fmla="*/ 0 w 12192000"/>
+              <a:gd name="connsiteY0" fmla="*/ 0 h 3049325"/>
+              <a:gd name="connsiteX1" fmla="*/ 12192000 w 12192000"/>
+              <a:gd name="connsiteY1" fmla="*/ 0 h 3049325"/>
+              <a:gd name="connsiteX2" fmla="*/ 12192000 w 12192000"/>
+              <a:gd name="connsiteY2" fmla="*/ 3049325 h 3049325"/>
+              <a:gd name="connsiteX3" fmla="*/ 0 w 12192000"/>
+              <a:gd name="connsiteY3" fmla="*/ 3049325 h 3049325"/>
+            </a:gdLst>
+            <a:ahLst/>
+            <a:cxnLst>
+              <a:cxn ang="0">
+                <a:pos x="connsiteX0" y="connsiteY0"/>
+              </a:cxn>
+              <a:cxn ang="0">
+                <a:pos x="connsiteX1" y="connsiteY1"/>
+              </a:cxn>
+              <a:cxn ang="0">
+                <a:pos x="connsiteX2" y="connsiteY2"/>
+              </a:cxn>
+              <a:cxn ang="0">
+                <a:pos x="connsiteX3" y="connsiteY3"/>
+              </a:cxn>
+            </a:cxnLst>
+            <a:rect l="l" t="t" r="r" b="b"/>
+            <a:pathLst>
+              <a:path w="12192000" h="3049325">
+                <a:moveTo>
+                  <a:pt x="0" y="0"/>
+                </a:moveTo>
+                <a:lnTo>
+                  <a:pt x="12192000" y="0"/>
+                </a:lnTo>
+                <a:lnTo>
+                  <a:pt x="12192000" y="3049325"/>
+                </a:lnTo>
+                <a:lnTo>
+                  <a:pt x="0" y="3049325"/>
+                </a:lnTo>
+                <a:close/>
+              </a:path>
+            </a:pathLst>
+          </a:custGeom>
         </p:spPr>
       </p:pic>
       <p:sp>
@@ -4510,8 +4552,8 @@
         </p:nvSpPr>
         <p:spPr>
           <a:xfrm>
-            <a:off x="1179226" y="826680"/>
-            <a:ext cx="9833548" cy="1325563"/>
+            <a:off x="804672" y="338328"/>
+            <a:ext cx="5011473" cy="1773936"/>
           </a:xfrm>
         </p:spPr>
         <p:txBody>
@@ -4520,7 +4562,6 @@
           </a:bodyPr>
           <a:lstStyle/>
           <a:p>
-            <a:pPr algn="ctr"/>
             <a:r>
               <a:rPr lang="en-US" sz="4000">
                 <a:solidFill>
@@ -4550,27 +4591,166 @@
         </p:nvSpPr>
         <p:spPr>
           <a:xfrm>
-            <a:off x="1179226" y="3092970"/>
-            <a:ext cx="9833548" cy="2693976"/>
-          </a:xfrm>
-        </p:spPr>
-        <p:txBody>
-          <a:bodyPr>
-            <a:normAutofit/>
+            <a:off x="6355641" y="338328"/>
+            <a:ext cx="5029200" cy="1773936"/>
+          </a:xfrm>
+        </p:spPr>
+        <p:txBody>
+          <a:bodyPr anchor="ctr">
+            <a:normAutofit fontScale="85000" lnSpcReduction="10000"/>
           </a:bodyPr>
           <a:lstStyle/>
           <a:p>
             <a:r>
-              <a:rPr lang="en-US" sz="2000">
+              <a:rPr lang="en-US" sz="1800" dirty="0">
                 <a:solidFill>
-                  <a:srgbClr val="000000"/>
+                  <a:srgbClr val="FFFFFF"/>
                 </a:solidFill>
               </a:rPr>
-              <a:t>When analyzing the impact of the pandemic on traffic patterns in the MPLS metro area</a:t>
-            </a:r>
-          </a:p>
-        </p:txBody>
-      </p:sp>
+              <a:t>When analyzing the impact of the pandemic on traffic patterns in the MPLS metro area we saw a small decrease in traffic volume as Covid-19 cases rose, however this decrease was minor and was not as significant as a decrease in the latter months of 2018.</a:t>
+            </a:r>
+          </a:p>
+          <a:p>
+            <a:r>
+              <a:rPr lang="en-US" sz="1800" dirty="0">
+                <a:solidFill>
+                  <a:srgbClr val="FFFFFF"/>
+                </a:solidFill>
+              </a:rPr>
+              <a:t>When further analyzing the relation between Covid-19 and traffic patterns we also showed a very minor relationship.</a:t>
+            </a:r>
+          </a:p>
+        </p:txBody>
+      </p:sp>
+      <p:sp>
+        <p:nvSpPr>
+          <p:cNvPr id="19" name="Rectangle 18">
+            <a:extLst>
+              <a:ext uri="{FF2B5EF4-FFF2-40B4-BE49-F238E27FC236}">
+                <a16:creationId xmlns:a16="http://schemas.microsoft.com/office/drawing/2014/main" id="{091C9E05-1ED5-4438-8E0F-38219974999F}"/>
+              </a:ext>
+              <a:ext uri="{C183D7F6-B498-43B3-948B-1728B52AA6E4}">
+                <adec:decorative xmlns:adec="http://schemas.microsoft.com/office/drawing/2017/decorative" val="1"/>
+              </a:ext>
+            </a:extLst>
+          </p:cNvPr>
+          <p:cNvSpPr>
+            <a:spLocks noGrp="1" noRot="1" noChangeAspect="1" noMove="1" noResize="1" noEditPoints="1" noAdjustHandles="1" noChangeArrowheads="1" noChangeShapeType="1" noTextEdit="1"/>
+          </p:cNvSpPr>
+          <p:nvPr>
+            <p:extLst>
+              <p:ext uri="{386F3935-93C4-4BCD-93E2-E3B085C9AB24}">
+                <p16:designElem xmlns:p16="http://schemas.microsoft.com/office/powerpoint/2015/main" val="1"/>
+              </p:ext>
+            </p:extLst>
+          </p:nvPr>
+        </p:nvSpPr>
+        <p:spPr>
+          <a:xfrm flipV="1">
+            <a:off x="0" y="2805364"/>
+            <a:ext cx="12188952" cy="4052636"/>
+          </a:xfrm>
+          <a:prstGeom prst="rect">
+            <a:avLst/>
+          </a:prstGeom>
+          <a:solidFill>
+            <a:srgbClr val="FFFFFF"/>
+          </a:solidFill>
+          <a:ln>
+            <a:noFill/>
+          </a:ln>
+        </p:spPr>
+        <p:style>
+          <a:lnRef idx="2">
+            <a:schemeClr val="accent1">
+              <a:shade val="50000"/>
+            </a:schemeClr>
+          </a:lnRef>
+          <a:fillRef idx="1">
+            <a:schemeClr val="accent1"/>
+          </a:fillRef>
+          <a:effectRef idx="0">
+            <a:schemeClr val="accent1"/>
+          </a:effectRef>
+          <a:fontRef idx="minor">
+            <a:schemeClr val="lt1"/>
+          </a:fontRef>
+        </p:style>
+        <p:txBody>
+          <a:bodyPr rtlCol="0" anchor="ctr"/>
+          <a:lstStyle/>
+          <a:p>
+            <a:pPr algn="ctr"/>
+            <a:endParaRPr lang="en-US"/>
+          </a:p>
+        </p:txBody>
+      </p:sp>
+      <p:pic>
+        <p:nvPicPr>
+          <p:cNvPr id="6" name="Picture 5">
+            <a:extLst>
+              <a:ext uri="{FF2B5EF4-FFF2-40B4-BE49-F238E27FC236}">
+                <a16:creationId xmlns:a16="http://schemas.microsoft.com/office/drawing/2014/main" id="{A4759C64-21AC-4A78-9CD0-559010047EDD}"/>
+              </a:ext>
+            </a:extLst>
+          </p:cNvPr>
+          <p:cNvPicPr>
+            <a:picLocks noChangeAspect="1"/>
+          </p:cNvPicPr>
+          <p:nvPr/>
+        </p:nvPicPr>
+        <p:blipFill>
+          <a:blip r:embed="rId3"/>
+          <a:stretch>
+            <a:fillRect/>
+          </a:stretch>
+        </p:blipFill>
+        <p:spPr>
+          <a:xfrm>
+            <a:off x="110162" y="3358394"/>
+            <a:ext cx="5166360" cy="3022320"/>
+          </a:xfrm>
+          <a:prstGeom prst="rect">
+            <a:avLst/>
+          </a:prstGeom>
+        </p:spPr>
+      </p:pic>
+      <p:pic>
+        <p:nvPicPr>
+          <p:cNvPr id="9" name="Picture 8" descr="Chart&#10;&#10;Description automatically generated">
+            <a:extLst>
+              <a:ext uri="{FF2B5EF4-FFF2-40B4-BE49-F238E27FC236}">
+                <a16:creationId xmlns:a16="http://schemas.microsoft.com/office/drawing/2014/main" id="{3886C13C-D192-40C8-828F-4BEDF11DDBEF}"/>
+              </a:ext>
+            </a:extLst>
+          </p:cNvPr>
+          <p:cNvPicPr>
+            <a:picLocks noChangeAspect="1"/>
+          </p:cNvPicPr>
+          <p:nvPr/>
+        </p:nvPicPr>
+        <p:blipFill>
+          <a:blip r:embed="rId4">
+            <a:extLst>
+              <a:ext uri="{28A0092B-C50C-407E-A947-70E740481C1C}">
+                <a14:useLocalDpi xmlns:a14="http://schemas.microsoft.com/office/drawing/2010/main" val="0"/>
+              </a:ext>
+            </a:extLst>
+          </a:blip>
+          <a:stretch>
+            <a:fillRect/>
+          </a:stretch>
+        </p:blipFill>
+        <p:spPr>
+          <a:xfrm>
+            <a:off x="5178489" y="4141347"/>
+            <a:ext cx="7407201" cy="1481441"/>
+          </a:xfrm>
+          <a:prstGeom prst="rect">
+            <a:avLst/>
+          </a:prstGeom>
+        </p:spPr>
+      </p:pic>
     </p:spTree>
     <p:extLst>
       <p:ext uri="{BB962C8B-B14F-4D97-AF65-F5344CB8AC3E}">
@@ -6701,7 +6881,7 @@
           <a:p>
             <a:r>
               <a:rPr lang="en-US" dirty="0"/>
-              <a:t>These include: Pandas, Matplotlib, Excel, </a:t>
+              <a:t>These include: Python, Pandas, Matplotlib, Excel, </a:t>
             </a:r>
             <a:r>
               <a:rPr lang="en-US" dirty="0" err="1"/>

--- a/AQI_Presentation.pptx
+++ b/AQI_Presentation.pptx
@@ -112,6 +112,11 @@
       </a:defRPr>
     </a:lvl9pPr>
   </p:defaultTextStyle>
+  <p:extLst>
+    <p:ext uri="{EFAFB233-063F-42B5-8137-9DF3F51BA10A}">
+      <p15:sldGuideLst xmlns:p15="http://schemas.microsoft.com/office/powerpoint/2012/main"/>
+    </p:ext>
+  </p:extLst>
 </p:presentation>
 </file>
 
@@ -262,7 +267,7 @@
           <a:p>
             <a:fld id="{A8EFFCC9-3A77-40BC-AE01-6CE3200FC492}" type="datetimeFigureOut">
               <a:rPr lang="en-US" smtClean="0"/>
-              <a:t>11/6/2020</a:t>
+              <a:t>11/7/2020</a:t>
             </a:fld>
             <a:endParaRPr lang="en-US"/>
           </a:p>
@@ -460,7 +465,7 @@
           <a:p>
             <a:fld id="{A8EFFCC9-3A77-40BC-AE01-6CE3200FC492}" type="datetimeFigureOut">
               <a:rPr lang="en-US" smtClean="0"/>
-              <a:t>11/6/2020</a:t>
+              <a:t>11/7/2020</a:t>
             </a:fld>
             <a:endParaRPr lang="en-US"/>
           </a:p>
@@ -668,7 +673,7 @@
           <a:p>
             <a:fld id="{A8EFFCC9-3A77-40BC-AE01-6CE3200FC492}" type="datetimeFigureOut">
               <a:rPr lang="en-US" smtClean="0"/>
-              <a:t>11/6/2020</a:t>
+              <a:t>11/7/2020</a:t>
             </a:fld>
             <a:endParaRPr lang="en-US"/>
           </a:p>
@@ -866,7 +871,7 @@
           <a:p>
             <a:fld id="{A8EFFCC9-3A77-40BC-AE01-6CE3200FC492}" type="datetimeFigureOut">
               <a:rPr lang="en-US" smtClean="0"/>
-              <a:t>11/6/2020</a:t>
+              <a:t>11/7/2020</a:t>
             </a:fld>
             <a:endParaRPr lang="en-US"/>
           </a:p>
@@ -1141,7 +1146,7 @@
           <a:p>
             <a:fld id="{A8EFFCC9-3A77-40BC-AE01-6CE3200FC492}" type="datetimeFigureOut">
               <a:rPr lang="en-US" smtClean="0"/>
-              <a:t>11/6/2020</a:t>
+              <a:t>11/7/2020</a:t>
             </a:fld>
             <a:endParaRPr lang="en-US"/>
           </a:p>
@@ -1406,7 +1411,7 @@
           <a:p>
             <a:fld id="{A8EFFCC9-3A77-40BC-AE01-6CE3200FC492}" type="datetimeFigureOut">
               <a:rPr lang="en-US" smtClean="0"/>
-              <a:t>11/6/2020</a:t>
+              <a:t>11/7/2020</a:t>
             </a:fld>
             <a:endParaRPr lang="en-US"/>
           </a:p>
@@ -1818,7 +1823,7 @@
           <a:p>
             <a:fld id="{A8EFFCC9-3A77-40BC-AE01-6CE3200FC492}" type="datetimeFigureOut">
               <a:rPr lang="en-US" smtClean="0"/>
-              <a:t>11/6/2020</a:t>
+              <a:t>11/7/2020</a:t>
             </a:fld>
             <a:endParaRPr lang="en-US"/>
           </a:p>
@@ -1959,7 +1964,7 @@
           <a:p>
             <a:fld id="{A8EFFCC9-3A77-40BC-AE01-6CE3200FC492}" type="datetimeFigureOut">
               <a:rPr lang="en-US" smtClean="0"/>
-              <a:t>11/6/2020</a:t>
+              <a:t>11/7/2020</a:t>
             </a:fld>
             <a:endParaRPr lang="en-US"/>
           </a:p>
@@ -2072,7 +2077,7 @@
           <a:p>
             <a:fld id="{A8EFFCC9-3A77-40BC-AE01-6CE3200FC492}" type="datetimeFigureOut">
               <a:rPr lang="en-US" smtClean="0"/>
-              <a:t>11/6/2020</a:t>
+              <a:t>11/7/2020</a:t>
             </a:fld>
             <a:endParaRPr lang="en-US"/>
           </a:p>
@@ -2383,7 +2388,7 @@
           <a:p>
             <a:fld id="{A8EFFCC9-3A77-40BC-AE01-6CE3200FC492}" type="datetimeFigureOut">
               <a:rPr lang="en-US" smtClean="0"/>
-              <a:t>11/6/2020</a:t>
+              <a:t>11/7/2020</a:t>
             </a:fld>
             <a:endParaRPr lang="en-US"/>
           </a:p>
@@ -2671,7 +2676,7 @@
           <a:p>
             <a:fld id="{A8EFFCC9-3A77-40BC-AE01-6CE3200FC492}" type="datetimeFigureOut">
               <a:rPr lang="en-US" smtClean="0"/>
-              <a:t>11/6/2020</a:t>
+              <a:t>11/7/2020</a:t>
             </a:fld>
             <a:endParaRPr lang="en-US"/>
           </a:p>
@@ -2912,7 +2917,7 @@
           <a:p>
             <a:fld id="{A8EFFCC9-3A77-40BC-AE01-6CE3200FC492}" type="datetimeFigureOut">
               <a:rPr lang="en-US" smtClean="0"/>
-              <a:t>11/6/2020</a:t>
+              <a:t>11/7/2020</a:t>
             </a:fld>
             <a:endParaRPr lang="en-US"/>
           </a:p>
@@ -4254,10 +4259,10 @@
       </p:sp>
       <p:pic>
         <p:nvPicPr>
-          <p:cNvPr id="15" name="Content Placeholder 10" descr="A picture containing chart&#10;&#10;Description automatically generated">
-            <a:extLst>
-              <a:ext uri="{FF2B5EF4-FFF2-40B4-BE49-F238E27FC236}">
-                <a16:creationId xmlns:a16="http://schemas.microsoft.com/office/drawing/2014/main" id="{E8C7C205-F104-47B8-A7AA-1DA50FADA28C}"/>
+          <p:cNvPr id="7" name="Picture 6" descr="Chart&#10;&#10;Description automatically generated">
+            <a:extLst>
+              <a:ext uri="{FF2B5EF4-FFF2-40B4-BE49-F238E27FC236}">
+                <a16:creationId xmlns:a16="http://schemas.microsoft.com/office/drawing/2014/main" id="{C6A5CF04-C9DF-4AC4-89E6-B8B902D7820B}"/>
               </a:ext>
             </a:extLst>
           </p:cNvPr>
@@ -4280,8 +4285,8 @@
         </p:blipFill>
         <p:spPr>
           <a:xfrm>
-            <a:off x="1795350" y="4703313"/>
-            <a:ext cx="8598251" cy="1956101"/>
+            <a:off x="872366" y="2614469"/>
+            <a:ext cx="10444220" cy="2088844"/>
           </a:xfrm>
           <a:prstGeom prst="rect">
             <a:avLst/>
@@ -4290,10 +4295,10 @@
       </p:pic>
       <p:pic>
         <p:nvPicPr>
-          <p:cNvPr id="7" name="Picture 6" descr="Chart&#10;&#10;Description automatically generated">
-            <a:extLst>
-              <a:ext uri="{FF2B5EF4-FFF2-40B4-BE49-F238E27FC236}">
-                <a16:creationId xmlns:a16="http://schemas.microsoft.com/office/drawing/2014/main" id="{C6A5CF04-C9DF-4AC4-89E6-B8B902D7820B}"/>
+          <p:cNvPr id="4" name="Picture 3">
+            <a:extLst>
+              <a:ext uri="{FF2B5EF4-FFF2-40B4-BE49-F238E27FC236}">
+                <a16:creationId xmlns:a16="http://schemas.microsoft.com/office/drawing/2014/main" id="{EEFD980F-F30E-4647-BD6B-F558EB1DE1C8}"/>
               </a:ext>
             </a:extLst>
           </p:cNvPr>
@@ -4303,21 +4308,15 @@
           <p:nvPr/>
         </p:nvPicPr>
         <p:blipFill>
-          <a:blip r:embed="rId4">
-            <a:extLst>
-              <a:ext uri="{28A0092B-C50C-407E-A947-70E740481C1C}">
-                <a14:useLocalDpi xmlns:a14="http://schemas.microsoft.com/office/drawing/2010/main" val="0"/>
-              </a:ext>
-            </a:extLst>
-          </a:blip>
+          <a:blip r:embed="rId4"/>
           <a:stretch>
             <a:fillRect/>
           </a:stretch>
         </p:blipFill>
         <p:spPr>
           <a:xfrm>
-            <a:off x="872366" y="2614469"/>
-            <a:ext cx="10444220" cy="2088844"/>
+            <a:off x="1029586" y="4895519"/>
+            <a:ext cx="10287000" cy="2057400"/>
           </a:xfrm>
           <a:prstGeom prst="rect">
             <a:avLst/>
@@ -4563,12 +4562,12 @@
           <a:lstStyle/>
           <a:p>
             <a:r>
-              <a:rPr lang="en-US" sz="4000">
+              <a:rPr lang="en-US" sz="4000" dirty="0">
                 <a:solidFill>
                   <a:srgbClr val="FFFFFF"/>
                 </a:solidFill>
               </a:rPr>
-              <a:t>Covid-19’s Effect on Traffic Patterns</a:t>
+              <a:t>Covid-19’s Effect on Traffic Patterns and AQI</a:t>
             </a:r>
           </a:p>
         </p:txBody>
@@ -4597,7 +4596,7 @@
         </p:spPr>
         <p:txBody>
           <a:bodyPr anchor="ctr">
-            <a:normAutofit fontScale="85000" lnSpcReduction="10000"/>
+            <a:normAutofit lnSpcReduction="10000"/>
           </a:bodyPr>
           <a:lstStyle/>
           <a:p>
@@ -4607,7 +4606,7 @@
                   <a:srgbClr val="FFFFFF"/>
                 </a:solidFill>
               </a:rPr>
-              <a:t>When analyzing the impact of the pandemic on traffic patterns in the MPLS metro area we saw a small decrease in traffic volume as Covid-19 cases rose, however this decrease was minor and was not as significant as a decrease in the latter months of 2018.</a:t>
+              <a:t>When analyzing the impact of the pandemic on traffic patterns in the MPLS metro area we saw a small decrease in traffic volume as Covid-19 cases rose.</a:t>
             </a:r>
           </a:p>
           <a:p>
@@ -4687,10 +4686,10 @@
       </p:sp>
       <p:pic>
         <p:nvPicPr>
-          <p:cNvPr id="6" name="Picture 5">
-            <a:extLst>
-              <a:ext uri="{FF2B5EF4-FFF2-40B4-BE49-F238E27FC236}">
-                <a16:creationId xmlns:a16="http://schemas.microsoft.com/office/drawing/2014/main" id="{A4759C64-21AC-4A78-9CD0-559010047EDD}"/>
+          <p:cNvPr id="9" name="Picture 8" descr="Chart&#10;&#10;Description automatically generated">
+            <a:extLst>
+              <a:ext uri="{FF2B5EF4-FFF2-40B4-BE49-F238E27FC236}">
+                <a16:creationId xmlns:a16="http://schemas.microsoft.com/office/drawing/2014/main" id="{3886C13C-D192-40C8-828F-4BEDF11DDBEF}"/>
               </a:ext>
             </a:extLst>
           </p:cNvPr>
@@ -4700,15 +4699,21 @@
           <p:nvPr/>
         </p:nvPicPr>
         <p:blipFill>
-          <a:blip r:embed="rId3"/>
+          <a:blip r:embed="rId3">
+            <a:extLst>
+              <a:ext uri="{28A0092B-C50C-407E-A947-70E740481C1C}">
+                <a14:useLocalDpi xmlns:a14="http://schemas.microsoft.com/office/drawing/2010/main" val="0"/>
+              </a:ext>
+            </a:extLst>
+          </a:blip>
           <a:stretch>
             <a:fillRect/>
           </a:stretch>
         </p:blipFill>
         <p:spPr>
           <a:xfrm>
-            <a:off x="110162" y="3358394"/>
-            <a:ext cx="5166360" cy="3022320"/>
+            <a:off x="1819469" y="5356697"/>
+            <a:ext cx="7407201" cy="1481441"/>
           </a:xfrm>
           <a:prstGeom prst="rect">
             <a:avLst/>
@@ -4717,10 +4722,10 @@
       </p:pic>
       <p:pic>
         <p:nvPicPr>
-          <p:cNvPr id="9" name="Picture 8" descr="Chart&#10;&#10;Description automatically generated">
-            <a:extLst>
-              <a:ext uri="{FF2B5EF4-FFF2-40B4-BE49-F238E27FC236}">
-                <a16:creationId xmlns:a16="http://schemas.microsoft.com/office/drawing/2014/main" id="{3886C13C-D192-40C8-828F-4BEDF11DDBEF}"/>
+          <p:cNvPr id="4" name="Picture 3">
+            <a:extLst>
+              <a:ext uri="{FF2B5EF4-FFF2-40B4-BE49-F238E27FC236}">
+                <a16:creationId xmlns:a16="http://schemas.microsoft.com/office/drawing/2014/main" id="{92CF67C5-CB0E-4100-AFA7-ABF8C80A4329}"/>
               </a:ext>
             </a:extLst>
           </p:cNvPr>
@@ -4730,21 +4735,45 @@
           <p:nvPr/>
         </p:nvPicPr>
         <p:blipFill>
-          <a:blip r:embed="rId4">
-            <a:extLst>
-              <a:ext uri="{28A0092B-C50C-407E-A947-70E740481C1C}">
-                <a14:useLocalDpi xmlns:a14="http://schemas.microsoft.com/office/drawing/2010/main" val="0"/>
-              </a:ext>
-            </a:extLst>
-          </a:blip>
+          <a:blip r:embed="rId4"/>
           <a:stretch>
             <a:fillRect/>
           </a:stretch>
         </p:blipFill>
         <p:spPr>
           <a:xfrm>
-            <a:off x="5178489" y="4141347"/>
-            <a:ext cx="7407201" cy="1481441"/>
+            <a:off x="6686196" y="2732753"/>
+            <a:ext cx="4849786" cy="2689144"/>
+          </a:xfrm>
+          <a:prstGeom prst="rect">
+            <a:avLst/>
+          </a:prstGeom>
+        </p:spPr>
+      </p:pic>
+      <p:pic>
+        <p:nvPicPr>
+          <p:cNvPr id="5" name="Picture 4">
+            <a:extLst>
+              <a:ext uri="{FF2B5EF4-FFF2-40B4-BE49-F238E27FC236}">
+                <a16:creationId xmlns:a16="http://schemas.microsoft.com/office/drawing/2014/main" id="{729113B4-2A61-45C2-A4A4-B8847ED6DEF3}"/>
+              </a:ext>
+            </a:extLst>
+          </p:cNvPr>
+          <p:cNvPicPr>
+            <a:picLocks noChangeAspect="1"/>
+          </p:cNvPicPr>
+          <p:nvPr/>
+        </p:nvPicPr>
+        <p:blipFill>
+          <a:blip r:embed="rId5"/>
+          <a:stretch>
+            <a:fillRect/>
+          </a:stretch>
+        </p:blipFill>
+        <p:spPr>
+          <a:xfrm>
+            <a:off x="433060" y="2698165"/>
+            <a:ext cx="4866727" cy="2660169"/>
           </a:xfrm>
           <a:prstGeom prst="rect">
             <a:avLst/>
@@ -5114,10 +5143,10 @@
       </p:sp>
       <p:pic>
         <p:nvPicPr>
-          <p:cNvPr id="7" name="Picture 6" descr="Graphical user interface&#10;&#10;Description automatically generated">
-            <a:extLst>
-              <a:ext uri="{FF2B5EF4-FFF2-40B4-BE49-F238E27FC236}">
-                <a16:creationId xmlns:a16="http://schemas.microsoft.com/office/drawing/2014/main" id="{9032E4E5-4029-4D44-96F9-37D325B2EFA3}"/>
+          <p:cNvPr id="4" name="Picture 3">
+            <a:extLst>
+              <a:ext uri="{FF2B5EF4-FFF2-40B4-BE49-F238E27FC236}">
+                <a16:creationId xmlns:a16="http://schemas.microsoft.com/office/drawing/2014/main" id="{B99A3C17-95B0-42E6-98C9-463A1A536283}"/>
               </a:ext>
             </a:extLst>
           </p:cNvPr>
@@ -5127,21 +5156,15 @@
           <p:nvPr/>
         </p:nvPicPr>
         <p:blipFill>
-          <a:blip r:embed="rId3">
-            <a:extLst>
-              <a:ext uri="{28A0092B-C50C-407E-A947-70E740481C1C}">
-                <a14:useLocalDpi xmlns:a14="http://schemas.microsoft.com/office/drawing/2010/main" val="0"/>
-              </a:ext>
-            </a:extLst>
-          </a:blip>
+          <a:blip r:embed="rId3"/>
           <a:stretch>
             <a:fillRect/>
           </a:stretch>
         </p:blipFill>
         <p:spPr>
           <a:xfrm>
-            <a:off x="1500422" y="2717985"/>
-            <a:ext cx="8851975" cy="1770395"/>
+            <a:off x="952500" y="2400300"/>
+            <a:ext cx="10287000" cy="2057400"/>
           </a:xfrm>
           <a:prstGeom prst="rect">
             <a:avLst/>
@@ -5150,10 +5173,10 @@
       </p:pic>
       <p:pic>
         <p:nvPicPr>
-          <p:cNvPr id="9" name="Picture 8" descr="Chart, scatter chart&#10;&#10;Description automatically generated">
-            <a:extLst>
-              <a:ext uri="{FF2B5EF4-FFF2-40B4-BE49-F238E27FC236}">
-                <a16:creationId xmlns:a16="http://schemas.microsoft.com/office/drawing/2014/main" id="{D79D282F-D483-4031-ADBA-6580A7E2364B}"/>
+          <p:cNvPr id="5" name="Picture 4">
+            <a:extLst>
+              <a:ext uri="{FF2B5EF4-FFF2-40B4-BE49-F238E27FC236}">
+                <a16:creationId xmlns:a16="http://schemas.microsoft.com/office/drawing/2014/main" id="{3C12EA57-15CF-460A-B92E-FE74550D8D3B}"/>
               </a:ext>
             </a:extLst>
           </p:cNvPr>
@@ -5163,21 +5186,15 @@
           <p:nvPr/>
         </p:nvPicPr>
         <p:blipFill>
-          <a:blip r:embed="rId4">
-            <a:extLst>
-              <a:ext uri="{28A0092B-C50C-407E-A947-70E740481C1C}">
-                <a14:useLocalDpi xmlns:a14="http://schemas.microsoft.com/office/drawing/2010/main" val="0"/>
-              </a:ext>
-            </a:extLst>
-          </a:blip>
+          <a:blip r:embed="rId4"/>
           <a:stretch>
             <a:fillRect/>
           </a:stretch>
         </p:blipFill>
         <p:spPr>
           <a:xfrm>
-            <a:off x="1385111" y="4767108"/>
-            <a:ext cx="9139820" cy="1827964"/>
+            <a:off x="952500" y="4562193"/>
+            <a:ext cx="10287000" cy="2057400"/>
           </a:xfrm>
           <a:prstGeom prst="rect">
             <a:avLst/>
@@ -5629,7 +5646,7 @@
         </p:spPr>
         <p:txBody>
           <a:bodyPr anchor="ctr">
-            <a:normAutofit/>
+            <a:normAutofit fontScale="92500" lnSpcReduction="10000"/>
           </a:bodyPr>
           <a:lstStyle/>
           <a:p>
@@ -5649,7 +5666,7 @@
                   <a:srgbClr val="000000"/>
                 </a:solidFill>
               </a:rPr>
-              <a:t>Of the data we have succeeded in compiling a linear regression for, we show a negative correlation between the advancement of time and AQI.</a:t>
+              <a:t>Of the data we have succeeded in compiling a linear regression for, we show a negative correlation between the advancement of time and AQI. </a:t>
             </a:r>
           </a:p>
           <a:p>
@@ -5659,7 +5676,28 @@
                   <a:srgbClr val="000000"/>
                 </a:solidFill>
               </a:rPr>
-              <a:t>This correlation, however, is quite weak. </a:t>
+              <a:t>The formula we compiled is:</a:t>
+            </a:r>
+          </a:p>
+          <a:p>
+            <a:pPr lvl="1"/>
+            <a:r>
+              <a:rPr lang="en-US" sz="2200" dirty="0">
+                <a:solidFill>
+                  <a:srgbClr val="000000"/>
+                </a:solidFill>
+              </a:rPr>
+              <a:t> y=-0.0x*8.53</a:t>
+            </a:r>
+          </a:p>
+          <a:p>
+            <a:r>
+              <a:rPr lang="en-US" sz="2000" dirty="0">
+                <a:solidFill>
+                  <a:srgbClr val="000000"/>
+                </a:solidFill>
+              </a:rPr>
+              <a:t>This correlation is quite weak. </a:t>
             </a:r>
           </a:p>
           <a:p>

--- a/AQI_Presentation.pptx
+++ b/AQI_Presentation.pptx
@@ -14,6 +14,7 @@
     <p:sldId id="263" r:id="rId8"/>
     <p:sldId id="264" r:id="rId9"/>
     <p:sldId id="265" r:id="rId10"/>
+    <p:sldId id="267" r:id="rId11"/>
   </p:sldIdLst>
   <p:sldSz cx="12192000" cy="6858000"/>
   <p:notesSz cx="6858000" cy="9144000"/>
@@ -3550,10 +3551,304 @@
           </a:p>
         </p:txBody>
       </p:sp>
+      <p:sp>
+        <p:nvSpPr>
+          <p:cNvPr id="4" name="TextBox 3">
+            <a:extLst>
+              <a:ext uri="{FF2B5EF4-FFF2-40B4-BE49-F238E27FC236}">
+                <a16:creationId xmlns:a16="http://schemas.microsoft.com/office/drawing/2014/main" id="{1936E0C3-FC54-4F10-9964-D72A52EFDA02}"/>
+              </a:ext>
+            </a:extLst>
+          </p:cNvPr>
+          <p:cNvSpPr txBox="1"/>
+          <p:nvPr/>
+        </p:nvSpPr>
+        <p:spPr>
+          <a:xfrm>
+            <a:off x="4115584" y="4756797"/>
+            <a:ext cx="3960831" cy="646331"/>
+          </a:xfrm>
+          <a:prstGeom prst="rect">
+            <a:avLst/>
+          </a:prstGeom>
+          <a:noFill/>
+        </p:spPr>
+        <p:txBody>
+          <a:bodyPr wrap="square" rtlCol="0">
+            <a:spAutoFit/>
+          </a:bodyPr>
+          <a:lstStyle/>
+          <a:p>
+            <a:r>
+              <a:rPr lang="en-US" dirty="0">
+                <a:solidFill>
+                  <a:schemeClr val="bg1"/>
+                </a:solidFill>
+              </a:rPr>
+              <a:t>By: Gonzalo </a:t>
+            </a:r>
+            <a:r>
+              <a:rPr lang="en-US" dirty="0" err="1">
+                <a:solidFill>
+                  <a:schemeClr val="bg1"/>
+                </a:solidFill>
+              </a:rPr>
+              <a:t>Reusch</a:t>
+            </a:r>
+            <a:r>
+              <a:rPr lang="en-US" dirty="0">
+                <a:solidFill>
+                  <a:schemeClr val="bg1"/>
+                </a:solidFill>
+              </a:rPr>
+              <a:t>, Bill </a:t>
+            </a:r>
+            <a:r>
+              <a:rPr lang="en-US" dirty="0" err="1">
+                <a:solidFill>
+                  <a:schemeClr val="bg1"/>
+                </a:solidFill>
+              </a:rPr>
+              <a:t>Troolin</a:t>
+            </a:r>
+            <a:r>
+              <a:rPr lang="en-US" dirty="0">
+                <a:solidFill>
+                  <a:schemeClr val="bg1"/>
+                </a:solidFill>
+              </a:rPr>
+              <a:t>, Jasper Beachy, Matthew </a:t>
+            </a:r>
+            <a:r>
+              <a:rPr lang="en-US" dirty="0" err="1">
+                <a:solidFill>
+                  <a:schemeClr val="bg1"/>
+                </a:solidFill>
+              </a:rPr>
+              <a:t>Rud</a:t>
+            </a:r>
+            <a:r>
+              <a:rPr lang="en-US" dirty="0">
+                <a:solidFill>
+                  <a:schemeClr val="bg1"/>
+                </a:solidFill>
+              </a:rPr>
+              <a:t>, and Myles Miller</a:t>
+            </a:r>
+          </a:p>
+        </p:txBody>
+      </p:sp>
     </p:spTree>
     <p:extLst>
       <p:ext uri="{BB962C8B-B14F-4D97-AF65-F5344CB8AC3E}">
         <p14:creationId xmlns:p14="http://schemas.microsoft.com/office/powerpoint/2010/main" val="2213969287"/>
+      </p:ext>
+    </p:extLst>
+  </p:cSld>
+  <p:clrMapOvr>
+    <a:masterClrMapping/>
+  </p:clrMapOvr>
+</p:sld>
+</file>
+
+<file path=ppt/slides/slide10.xml><?xml version="1.0" encoding="utf-8"?>
+<p:sld xmlns:a="http://schemas.openxmlformats.org/drawingml/2006/main" xmlns:r="http://schemas.openxmlformats.org/officeDocument/2006/relationships" xmlns:p="http://schemas.openxmlformats.org/presentationml/2006/main">
+  <p:cSld>
+    <p:bg>
+      <p:bgPr>
+        <a:solidFill>
+          <a:schemeClr val="bg1"/>
+        </a:solidFill>
+        <a:effectLst/>
+      </p:bgPr>
+    </p:bg>
+    <p:spTree>
+      <p:nvGrpSpPr>
+        <p:cNvPr id="1" name=""/>
+        <p:cNvGrpSpPr/>
+        <p:nvPr/>
+      </p:nvGrpSpPr>
+      <p:grpSpPr>
+        <a:xfrm>
+          <a:off x="0" y="0"/>
+          <a:ext cx="0" cy="0"/>
+          <a:chOff x="0" y="0"/>
+          <a:chExt cx="0" cy="0"/>
+        </a:xfrm>
+      </p:grpSpPr>
+      <p:sp>
+        <p:nvSpPr>
+          <p:cNvPr id="8" name="Rectangle 7">
+            <a:extLst>
+              <a:ext uri="{FF2B5EF4-FFF2-40B4-BE49-F238E27FC236}">
+                <a16:creationId xmlns:a16="http://schemas.microsoft.com/office/drawing/2014/main" id="{23962611-DFD5-4092-AAFD-559E3DFCE2C9}"/>
+              </a:ext>
+              <a:ext uri="{C183D7F6-B498-43B3-948B-1728B52AA6E4}">
+                <adec:decorative xmlns:adec="http://schemas.microsoft.com/office/drawing/2017/decorative" val="1"/>
+              </a:ext>
+            </a:extLst>
+          </p:cNvPr>
+          <p:cNvSpPr>
+            <a:spLocks noGrp="1" noRot="1" noChangeAspect="1" noMove="1" noResize="1" noEditPoints="1" noAdjustHandles="1" noChangeArrowheads="1" noChangeShapeType="1" noTextEdit="1"/>
+          </p:cNvSpPr>
+          <p:nvPr>
+            <p:extLst>
+              <p:ext uri="{386F3935-93C4-4BCD-93E2-E3B085C9AB24}">
+                <p16:designElem xmlns:p16="http://schemas.microsoft.com/office/powerpoint/2015/main" val="1"/>
+              </p:ext>
+            </p:extLst>
+          </p:nvPr>
+        </p:nvSpPr>
+        <p:spPr>
+          <a:xfrm>
+            <a:off x="475488" y="0"/>
+            <a:ext cx="10910292" cy="6858000"/>
+          </a:xfrm>
+          <a:prstGeom prst="rect">
+            <a:avLst/>
+          </a:prstGeom>
+          <a:gradFill>
+            <a:gsLst>
+              <a:gs pos="0">
+                <a:schemeClr val="accent1">
+                  <a:lumMod val="90000"/>
+                </a:schemeClr>
+              </a:gs>
+              <a:gs pos="25000">
+                <a:schemeClr val="accent1">
+                  <a:lumMod val="90000"/>
+                </a:schemeClr>
+              </a:gs>
+              <a:gs pos="94000">
+                <a:schemeClr val="bg2">
+                  <a:lumMod val="25000"/>
+                </a:schemeClr>
+              </a:gs>
+              <a:gs pos="100000">
+                <a:schemeClr val="bg2">
+                  <a:lumMod val="25000"/>
+                </a:schemeClr>
+              </a:gs>
+            </a:gsLst>
+            <a:lin ang="4200000" scaled="0"/>
+          </a:gradFill>
+          <a:ln>
+            <a:noFill/>
+          </a:ln>
+        </p:spPr>
+        <p:style>
+          <a:lnRef idx="2">
+            <a:schemeClr val="accent1">
+              <a:shade val="50000"/>
+            </a:schemeClr>
+          </a:lnRef>
+          <a:fillRef idx="1">
+            <a:schemeClr val="accent1"/>
+          </a:fillRef>
+          <a:effectRef idx="0">
+            <a:schemeClr val="accent1"/>
+          </a:effectRef>
+          <a:fontRef idx="minor">
+            <a:schemeClr val="lt1"/>
+          </a:fontRef>
+        </p:style>
+        <p:txBody>
+          <a:bodyPr rtlCol="0" anchor="ctr"/>
+          <a:lstStyle/>
+          <a:p>
+            <a:pPr algn="ctr"/>
+            <a:endParaRPr lang="en-US"/>
+          </a:p>
+        </p:txBody>
+      </p:sp>
+      <p:pic>
+        <p:nvPicPr>
+          <p:cNvPr id="10" name="Picture 9">
+            <a:extLst>
+              <a:ext uri="{FF2B5EF4-FFF2-40B4-BE49-F238E27FC236}">
+                <a16:creationId xmlns:a16="http://schemas.microsoft.com/office/drawing/2014/main" id="{2270F1FA-0425-408F-9861-80BF5AFB276D}"/>
+              </a:ext>
+              <a:ext uri="{C183D7F6-B498-43B3-948B-1728B52AA6E4}">
+                <adec:decorative xmlns:adec="http://schemas.microsoft.com/office/drawing/2017/decorative" val="1"/>
+              </a:ext>
+            </a:extLst>
+          </p:cNvPr>
+          <p:cNvPicPr>
+            <a:picLocks noGrp="1" noRot="1" noChangeAspect="1" noMove="1" noResize="1" noEditPoints="1" noAdjustHandles="1" noChangeArrowheads="1" noChangeShapeType="1" noCrop="1"/>
+          </p:cNvPicPr>
+          <p:nvPr>
+            <p:extLst>
+              <p:ext uri="{386F3935-93C4-4BCD-93E2-E3B085C9AB24}">
+                <p16:designElem xmlns:p16="http://schemas.microsoft.com/office/powerpoint/2015/main" val="1"/>
+              </p:ext>
+            </p:extLst>
+          </p:nvPr>
+        </p:nvPicPr>
+        <p:blipFill>
+          <a:blip r:embed="rId2">
+            <a:extLst>
+              <a:ext uri="{28A0092B-C50C-407E-A947-70E740481C1C}">
+                <a14:useLocalDpi xmlns:a14="http://schemas.microsoft.com/office/drawing/2010/main" val="0"/>
+              </a:ext>
+            </a:extLst>
+          </a:blip>
+          <a:stretch>
+            <a:fillRect/>
+          </a:stretch>
+        </p:blipFill>
+        <p:spPr>
+          <a:xfrm>
+            <a:off x="0" y="0"/>
+            <a:ext cx="12192000" cy="6858000"/>
+          </a:xfrm>
+          <a:prstGeom prst="rect">
+            <a:avLst/>
+          </a:prstGeom>
+        </p:spPr>
+      </p:pic>
+      <p:sp>
+        <p:nvSpPr>
+          <p:cNvPr id="2" name="Title 1">
+            <a:extLst>
+              <a:ext uri="{FF2B5EF4-FFF2-40B4-BE49-F238E27FC236}">
+                <a16:creationId xmlns:a16="http://schemas.microsoft.com/office/drawing/2014/main" id="{5C51F00C-5071-4D00-B678-CDEC4EAD6BD4}"/>
+              </a:ext>
+            </a:extLst>
+          </p:cNvPr>
+          <p:cNvSpPr>
+            <a:spLocks noGrp="1"/>
+          </p:cNvSpPr>
+          <p:nvPr>
+            <p:ph type="ctrTitle"/>
+          </p:nvPr>
+        </p:nvSpPr>
+        <p:spPr>
+          <a:xfrm>
+            <a:off x="3045368" y="2043663"/>
+            <a:ext cx="6105194" cy="2031055"/>
+          </a:xfrm>
+        </p:spPr>
+        <p:txBody>
+          <a:bodyPr>
+            <a:normAutofit/>
+          </a:bodyPr>
+          <a:lstStyle/>
+          <a:p>
+            <a:r>
+              <a:rPr lang="en-US" dirty="0">
+                <a:solidFill>
+                  <a:srgbClr val="FFFFFF"/>
+                </a:solidFill>
+              </a:rPr>
+              <a:t>Questions?</a:t>
+            </a:r>
+          </a:p>
+        </p:txBody>
+      </p:sp>
+    </p:spTree>
+    <p:extLst>
+      <p:ext uri="{BB962C8B-B14F-4D97-AF65-F5344CB8AC3E}">
+        <p14:creationId xmlns:p14="http://schemas.microsoft.com/office/powerpoint/2010/main" val="201942848"/>
       </p:ext>
     </p:extLst>
   </p:cSld>
